--- a/uke_1/slides/docker-and-cloud.pptx
+++ b/uke_1/slides/docker-and-cloud.pptx
@@ -416,7 +416,7 @@
           <a:p>
             <a:fld id="{2E405B87-0B1C-464B-928F-AA5E9D282D70}" type="datetimeFigureOut">
               <a:rPr lang="en-US" smtClean="0"/>
-              <a:t>12/20/24</a:t>
+              <a:t>12/31/25</a:t>
             </a:fld>
             <a:endParaRPr lang="en-US"/>
           </a:p>
@@ -576,7 +576,7 @@
           <a:p>
             <a:fld id="{2E405B87-0B1C-464B-928F-AA5E9D282D70}" type="datetimeFigureOut">
               <a:rPr lang="en-US" smtClean="0"/>
-              <a:t>12/20/24</a:t>
+              <a:t>12/31/25</a:t>
             </a:fld>
             <a:endParaRPr lang="en-US"/>
           </a:p>
@@ -1245,7 +1245,7 @@
           <a:p>
             <a:fld id="{2E405B87-0B1C-464B-928F-AA5E9D282D70}" type="datetimeFigureOut">
               <a:rPr lang="en-US" smtClean="0"/>
-              <a:t>12/20/24</a:t>
+              <a:t>12/31/25</a:t>
             </a:fld>
             <a:endParaRPr lang="en-US"/>
           </a:p>
@@ -1803,7 +1803,7 @@
           <a:p>
             <a:fld id="{2E405B87-0B1C-464B-928F-AA5E9D282D70}" type="datetimeFigureOut">
               <a:rPr lang="en-US" smtClean="0"/>
-              <a:t>12/20/24</a:t>
+              <a:t>12/31/25</a:t>
             </a:fld>
             <a:endParaRPr lang="en-US"/>
           </a:p>
@@ -2472,7 +2472,7 @@
           <a:p>
             <a:fld id="{2E405B87-0B1C-464B-928F-AA5E9D282D70}" type="datetimeFigureOut">
               <a:rPr lang="en-US" smtClean="0"/>
-              <a:t>12/20/24</a:t>
+              <a:t>12/31/25</a:t>
             </a:fld>
             <a:endParaRPr lang="en-US"/>
           </a:p>
@@ -3204,7 +3204,7 @@
           <a:p>
             <a:fld id="{2E405B87-0B1C-464B-928F-AA5E9D282D70}" type="datetimeFigureOut">
               <a:rPr lang="en-US" smtClean="0"/>
-              <a:t>12/20/24</a:t>
+              <a:t>12/31/25</a:t>
             </a:fld>
             <a:endParaRPr lang="en-US"/>
           </a:p>
@@ -3653,7 +3653,7 @@
           <a:p>
             <a:fld id="{2E405B87-0B1C-464B-928F-AA5E9D282D70}" type="datetimeFigureOut">
               <a:rPr lang="en-US" smtClean="0"/>
-              <a:t>12/20/24</a:t>
+              <a:t>12/31/25</a:t>
             </a:fld>
             <a:endParaRPr lang="en-US"/>
           </a:p>
@@ -4239,7 +4239,7 @@
           <a:p>
             <a:fld id="{2E405B87-0B1C-464B-928F-AA5E9D282D70}" type="datetimeFigureOut">
               <a:rPr lang="en-US" smtClean="0"/>
-              <a:t>12/20/24</a:t>
+              <a:t>12/31/25</a:t>
             </a:fld>
             <a:endParaRPr lang="en-US"/>
           </a:p>
@@ -4734,7 +4734,7 @@
           <a:p>
             <a:fld id="{2E405B87-0B1C-464B-928F-AA5E9D282D70}" type="datetimeFigureOut">
               <a:rPr lang="en-US" smtClean="0"/>
-              <a:t>12/20/24</a:t>
+              <a:t>12/31/25</a:t>
             </a:fld>
             <a:endParaRPr lang="en-US"/>
           </a:p>
@@ -4937,7 +4937,7 @@
           <a:p>
             <a:fld id="{2E405B87-0B1C-464B-928F-AA5E9D282D70}" type="datetimeFigureOut">
               <a:rPr lang="en-US" smtClean="0"/>
-              <a:t>12/20/24</a:t>
+              <a:t>12/31/25</a:t>
             </a:fld>
             <a:endParaRPr lang="en-US"/>
           </a:p>
@@ -5321,7 +5321,7 @@
           <a:p>
             <a:fld id="{2E405B87-0B1C-464B-928F-AA5E9D282D70}" type="datetimeFigureOut">
               <a:rPr lang="en-US" smtClean="0"/>
-              <a:t>12/20/24</a:t>
+              <a:t>12/31/25</a:t>
             </a:fld>
             <a:endParaRPr lang="en-US"/>
           </a:p>
@@ -5705,7 +5705,7 @@
           <a:p>
             <a:fld id="{2E405B87-0B1C-464B-928F-AA5E9D282D70}" type="datetimeFigureOut">
               <a:rPr lang="en-US" smtClean="0"/>
-              <a:t>12/20/24</a:t>
+              <a:t>12/31/25</a:t>
             </a:fld>
             <a:endParaRPr lang="en-US"/>
           </a:p>
@@ -5977,7 +5977,7 @@
           <a:p>
             <a:fld id="{2E405B87-0B1C-464B-928F-AA5E9D282D70}" type="datetimeFigureOut">
               <a:rPr lang="en-US" smtClean="0"/>
-              <a:t>12/20/24</a:t>
+              <a:t>12/31/25</a:t>
             </a:fld>
             <a:endParaRPr lang="en-US"/>
           </a:p>
@@ -6451,7 +6451,7 @@
           <a:p>
             <a:fld id="{2E405B87-0B1C-464B-928F-AA5E9D282D70}" type="datetimeFigureOut">
               <a:rPr lang="en-US" smtClean="0"/>
-              <a:t>12/20/24</a:t>
+              <a:t>12/31/25</a:t>
             </a:fld>
             <a:endParaRPr lang="en-US"/>
           </a:p>
@@ -6573,7 +6573,7 @@
           <a:p>
             <a:fld id="{2E405B87-0B1C-464B-928F-AA5E9D282D70}" type="datetimeFigureOut">
               <a:rPr lang="en-US" smtClean="0"/>
-              <a:t>12/20/24</a:t>
+              <a:t>12/31/25</a:t>
             </a:fld>
             <a:endParaRPr lang="en-US"/>
           </a:p>
@@ -7537,7 +7537,7 @@
           <a:p>
             <a:fld id="{2E405B87-0B1C-464B-928F-AA5E9D282D70}" type="datetimeFigureOut">
               <a:rPr lang="en-US" smtClean="0"/>
-              <a:t>12/20/24</a:t>
+              <a:t>12/31/25</a:t>
             </a:fld>
             <a:endParaRPr lang="en-US"/>
           </a:p>
@@ -7659,7 +7659,7 @@
           <a:p>
             <a:fld id="{2E405B87-0B1C-464B-928F-AA5E9D282D70}" type="datetimeFigureOut">
               <a:rPr lang="en-US" smtClean="0"/>
-              <a:t>12/20/24</a:t>
+              <a:t>12/31/25</a:t>
             </a:fld>
             <a:endParaRPr lang="en-US"/>
           </a:p>
@@ -8160,7 +8160,7 @@
           <a:p>
             <a:fld id="{2E405B87-0B1C-464B-928F-AA5E9D282D70}" type="datetimeFigureOut">
               <a:rPr lang="en-US" smtClean="0"/>
-              <a:t>12/20/24</a:t>
+              <a:t>12/31/25</a:t>
             </a:fld>
             <a:endParaRPr lang="en-US"/>
           </a:p>
@@ -8744,7 +8744,7 @@
           <a:p>
             <a:fld id="{2E405B87-0B1C-464B-928F-AA5E9D282D70}" type="datetimeFigureOut">
               <a:rPr lang="en-US" smtClean="0"/>
-              <a:t>12/20/24</a:t>
+              <a:t>12/31/25</a:t>
             </a:fld>
             <a:endParaRPr lang="en-US"/>
           </a:p>
@@ -9328,7 +9328,7 @@
           <a:p>
             <a:fld id="{2E405B87-0B1C-464B-928F-AA5E9D282D70}" type="datetimeFigureOut">
               <a:rPr lang="en-US" smtClean="0"/>
-              <a:t>12/20/24</a:t>
+              <a:t>12/31/25</a:t>
             </a:fld>
             <a:endParaRPr lang="en-US"/>
           </a:p>
@@ -9912,7 +9912,7 @@
           <a:p>
             <a:fld id="{2E405B87-0B1C-464B-928F-AA5E9D282D70}" type="datetimeFigureOut">
               <a:rPr lang="en-US" smtClean="0"/>
-              <a:t>12/20/24</a:t>
+              <a:t>12/31/25</a:t>
             </a:fld>
             <a:endParaRPr lang="en-US"/>
           </a:p>
@@ -10496,7 +10496,7 @@
           <a:p>
             <a:fld id="{2E405B87-0B1C-464B-928F-AA5E9D282D70}" type="datetimeFigureOut">
               <a:rPr lang="en-US" smtClean="0"/>
-              <a:t>12/20/24</a:t>
+              <a:t>12/31/25</a:t>
             </a:fld>
             <a:endParaRPr lang="en-US"/>
           </a:p>
@@ -11080,7 +11080,7 @@
           <a:p>
             <a:fld id="{2E405B87-0B1C-464B-928F-AA5E9D282D70}" type="datetimeFigureOut">
               <a:rPr lang="en-US" smtClean="0"/>
-              <a:t>12/20/24</a:t>
+              <a:t>12/31/25</a:t>
             </a:fld>
             <a:endParaRPr lang="en-US"/>
           </a:p>
@@ -11664,7 +11664,7 @@
           <a:p>
             <a:fld id="{2E405B87-0B1C-464B-928F-AA5E9D282D70}" type="datetimeFigureOut">
               <a:rPr lang="en-US" smtClean="0"/>
-              <a:t>12/20/24</a:t>
+              <a:t>12/31/25</a:t>
             </a:fld>
             <a:endParaRPr lang="en-US"/>
           </a:p>
@@ -12248,7 +12248,7 @@
           <a:p>
             <a:fld id="{2E405B87-0B1C-464B-928F-AA5E9D282D70}" type="datetimeFigureOut">
               <a:rPr lang="en-US" smtClean="0"/>
-              <a:t>12/20/24</a:t>
+              <a:t>12/31/25</a:t>
             </a:fld>
             <a:endParaRPr lang="en-US"/>
           </a:p>
@@ -12832,7 +12832,7 @@
           <a:p>
             <a:fld id="{2E405B87-0B1C-464B-928F-AA5E9D282D70}" type="datetimeFigureOut">
               <a:rPr lang="en-US" smtClean="0"/>
-              <a:t>12/20/24</a:t>
+              <a:t>12/31/25</a:t>
             </a:fld>
             <a:endParaRPr lang="en-US"/>
           </a:p>
@@ -13416,7 +13416,7 @@
           <a:p>
             <a:fld id="{2E405B87-0B1C-464B-928F-AA5E9D282D70}" type="datetimeFigureOut">
               <a:rPr lang="en-US" smtClean="0"/>
-              <a:t>12/20/24</a:t>
+              <a:t>12/31/25</a:t>
             </a:fld>
             <a:endParaRPr lang="en-US"/>
           </a:p>
@@ -14000,7 +14000,7 @@
           <a:p>
             <a:fld id="{2E405B87-0B1C-464B-928F-AA5E9D282D70}" type="datetimeFigureOut">
               <a:rPr lang="en-US" smtClean="0"/>
-              <a:t>12/20/24</a:t>
+              <a:t>12/31/25</a:t>
             </a:fld>
             <a:endParaRPr lang="en-US"/>
           </a:p>
@@ -14584,7 +14584,7 @@
           <a:p>
             <a:fld id="{2E405B87-0B1C-464B-928F-AA5E9D282D70}" type="datetimeFigureOut">
               <a:rPr lang="en-US" smtClean="0"/>
-              <a:t>12/20/24</a:t>
+              <a:t>12/31/25</a:t>
             </a:fld>
             <a:endParaRPr lang="en-US"/>
           </a:p>
@@ -15168,7 +15168,7 @@
           <a:p>
             <a:fld id="{2E405B87-0B1C-464B-928F-AA5E9D282D70}" type="datetimeFigureOut">
               <a:rPr lang="en-US" smtClean="0"/>
-              <a:t>12/20/24</a:t>
+              <a:t>12/31/25</a:t>
             </a:fld>
             <a:endParaRPr lang="en-US"/>
           </a:p>
@@ -15752,7 +15752,7 @@
           <a:p>
             <a:fld id="{2E405B87-0B1C-464B-928F-AA5E9D282D70}" type="datetimeFigureOut">
               <a:rPr lang="en-US" smtClean="0"/>
-              <a:t>12/20/24</a:t>
+              <a:t>12/31/25</a:t>
             </a:fld>
             <a:endParaRPr lang="en-US"/>
           </a:p>
@@ -16336,7 +16336,7 @@
           <a:p>
             <a:fld id="{2E405B87-0B1C-464B-928F-AA5E9D282D70}" type="datetimeFigureOut">
               <a:rPr lang="en-US" smtClean="0"/>
-              <a:t>12/20/24</a:t>
+              <a:t>12/31/25</a:t>
             </a:fld>
             <a:endParaRPr lang="en-US"/>
           </a:p>
@@ -16920,7 +16920,7 @@
           <a:p>
             <a:fld id="{2E405B87-0B1C-464B-928F-AA5E9D282D70}" type="datetimeFigureOut">
               <a:rPr lang="en-US" smtClean="0"/>
-              <a:t>12/20/24</a:t>
+              <a:t>12/31/25</a:t>
             </a:fld>
             <a:endParaRPr lang="en-US"/>
           </a:p>
@@ -17504,7 +17504,7 @@
           <a:p>
             <a:fld id="{2E405B87-0B1C-464B-928F-AA5E9D282D70}" type="datetimeFigureOut">
               <a:rPr lang="en-US" smtClean="0"/>
-              <a:t>12/20/24</a:t>
+              <a:t>12/31/25</a:t>
             </a:fld>
             <a:endParaRPr lang="en-US"/>
           </a:p>
@@ -18022,10 +18022,7 @@
           <a:bodyPr/>
           <a:lstStyle/>
           <a:p>
-            <a:r>
-              <a:rPr lang="en-US" dirty="0"/>
-              <a:t>December 3, 2024</a:t>
-            </a:r>
+            <a:endParaRPr lang="en-US" dirty="0"/>
           </a:p>
         </p:txBody>
       </p:sp>
@@ -20686,7 +20683,7 @@
 </file>
 
 <file path=ppt/slides/slide14.xml><?xml version="1.0" encoding="utf-8"?>
-<p:sld xmlns:a="http://schemas.openxmlformats.org/drawingml/2006/main" xmlns:r="http://schemas.openxmlformats.org/officeDocument/2006/relationships" xmlns:p="http://schemas.openxmlformats.org/presentationml/2006/main">
+<p:sld xmlns:a="http://schemas.openxmlformats.org/drawingml/2006/main" xmlns:r="http://schemas.openxmlformats.org/officeDocument/2006/relationships" xmlns:p="http://schemas.openxmlformats.org/presentationml/2006/main" show="0">
   <p:cSld>
     <p:spTree>
       <p:nvGrpSpPr>
@@ -21370,10 +21367,146 @@
               </a:buClr>
             </a:pPr>
             <a:r>
-              <a:rPr lang="en-US" sz="1500"/>
-              <a:t>Hold bilder så små som mulig for raskere nedlasting.
-Bruk offisielle bilder for bedre sikkerhet og support.
-Rydd opp i ubrukte ressurser for å spare plass.</a:t>
+              <a:rPr lang="en-US" sz="1500" dirty="0"/>
+              <a:t>Hold images </a:t>
+            </a:r>
+            <a:r>
+              <a:rPr lang="en-US" sz="1500" dirty="0" err="1"/>
+              <a:t>så</a:t>
+            </a:r>
+            <a:r>
+              <a:rPr lang="en-US" sz="1500" dirty="0"/>
+              <a:t> </a:t>
+            </a:r>
+            <a:r>
+              <a:rPr lang="en-US" sz="1500" dirty="0" err="1"/>
+              <a:t>små</a:t>
+            </a:r>
+            <a:r>
+              <a:rPr lang="en-US" sz="1500" dirty="0"/>
+              <a:t> </a:t>
+            </a:r>
+            <a:r>
+              <a:rPr lang="en-US" sz="1500" dirty="0" err="1"/>
+              <a:t>som</a:t>
+            </a:r>
+            <a:r>
+              <a:rPr lang="en-US" sz="1500" dirty="0"/>
+              <a:t> </a:t>
+            </a:r>
+            <a:r>
+              <a:rPr lang="en-US" sz="1500" dirty="0" err="1"/>
+              <a:t>mulig</a:t>
+            </a:r>
+            <a:r>
+              <a:rPr lang="en-US" sz="1500" dirty="0"/>
+              <a:t> for </a:t>
+            </a:r>
+            <a:r>
+              <a:rPr lang="en-US" sz="1500" dirty="0" err="1"/>
+              <a:t>raskere</a:t>
+            </a:r>
+            <a:r>
+              <a:rPr lang="en-US" sz="1500" dirty="0"/>
+              <a:t> </a:t>
+            </a:r>
+            <a:r>
+              <a:rPr lang="en-US" sz="1500" dirty="0" err="1"/>
+              <a:t>nedlasting</a:t>
+            </a:r>
+            <a:r>
+              <a:rPr lang="en-US" sz="1500" dirty="0"/>
+              <a:t>.
+Bruk </a:t>
+            </a:r>
+            <a:r>
+              <a:rPr lang="en-US" sz="1500" dirty="0" err="1"/>
+              <a:t>offisielle</a:t>
+            </a:r>
+            <a:r>
+              <a:rPr lang="en-US" sz="1500" dirty="0"/>
+              <a:t> images for </a:t>
+            </a:r>
+            <a:r>
+              <a:rPr lang="en-US" sz="1500" dirty="0" err="1"/>
+              <a:t>bedre</a:t>
+            </a:r>
+            <a:r>
+              <a:rPr lang="en-US" sz="1500" dirty="0"/>
+              <a:t> </a:t>
+            </a:r>
+            <a:r>
+              <a:rPr lang="en-US" sz="1500" dirty="0" err="1"/>
+              <a:t>sikkerhet</a:t>
+            </a:r>
+            <a:r>
+              <a:rPr lang="en-US" sz="1500" dirty="0"/>
+              <a:t> </a:t>
+            </a:r>
+            <a:r>
+              <a:rPr lang="en-US" sz="1500" dirty="0" err="1"/>
+              <a:t>og</a:t>
+            </a:r>
+            <a:r>
+              <a:rPr lang="en-US" sz="1500" dirty="0"/>
+              <a:t> support.
+</a:t>
+            </a:r>
+            <a:r>
+              <a:rPr lang="en-US" sz="1500" dirty="0" err="1"/>
+              <a:t>Rydd</a:t>
+            </a:r>
+            <a:r>
+              <a:rPr lang="en-US" sz="1500" dirty="0"/>
+              <a:t> </a:t>
+            </a:r>
+            <a:r>
+              <a:rPr lang="en-US" sz="1500" dirty="0" err="1"/>
+              <a:t>opp</a:t>
+            </a:r>
+            <a:r>
+              <a:rPr lang="en-US" sz="1500" dirty="0"/>
+              <a:t> </a:t>
+            </a:r>
+            <a:r>
+              <a:rPr lang="en-US" sz="1500" dirty="0" err="1"/>
+              <a:t>i</a:t>
+            </a:r>
+            <a:r>
+              <a:rPr lang="en-US" sz="1500" dirty="0"/>
+              <a:t> </a:t>
+            </a:r>
+            <a:r>
+              <a:rPr lang="en-US" sz="1500" dirty="0" err="1"/>
+              <a:t>ubrukte</a:t>
+            </a:r>
+            <a:r>
+              <a:rPr lang="en-US" sz="1500" dirty="0"/>
+              <a:t> </a:t>
+            </a:r>
+            <a:r>
+              <a:rPr lang="en-US" sz="1500" dirty="0" err="1"/>
+              <a:t>ressurser</a:t>
+            </a:r>
+            <a:r>
+              <a:rPr lang="en-US" sz="1500" dirty="0"/>
+              <a:t> for </a:t>
+            </a:r>
+            <a:r>
+              <a:rPr lang="en-US" sz="1500" dirty="0" err="1"/>
+              <a:t>å</a:t>
+            </a:r>
+            <a:r>
+              <a:rPr lang="en-US" sz="1500" dirty="0"/>
+              <a:t> spare </a:t>
+            </a:r>
+            <a:r>
+              <a:rPr lang="en-US" sz="1500" dirty="0" err="1"/>
+              <a:t>plass</a:t>
+            </a:r>
+            <a:r>
+              <a:rPr lang="en-US" sz="1500" dirty="0"/>
+              <a:t>.</a:t>
             </a:r>
           </a:p>
         </p:txBody>
@@ -22251,9 +22384,10 @@
               </a:lnSpc>
             </a:pPr>
             <a:r>
-              <a:rPr lang="en-US"/>
+              <a:rPr lang="en-US" dirty="0" err="1"/>
               <a:t>Oppsummering</a:t>
             </a:r>
+            <a:endParaRPr lang="en-US" dirty="0"/>
           </a:p>
         </p:txBody>
       </p:sp>
@@ -22297,11 +22431,210 @@
               </a:buClr>
             </a:pPr>
             <a:r>
-              <a:rPr lang="en-US"/>
-              <a:t>Vi har utforsket hva cloudteknologi og Docker er, samt deres betydning for moderne databehandling.
-Vi har lært om Docker-arkitektur, inkludert bilder, containere, nettverk og volumer.
-Vi har diskutert Docker Compose og hvordan det forenkler arbeidet med multi-container applikasjoner.
-Det er viktig å følge beste praksis for å optimalisere bruken av Docker og Docker Compose.</a:t>
+              <a:rPr lang="en-US" dirty="0"/>
+              <a:t>Vi </a:t>
+            </a:r>
+            <a:r>
+              <a:rPr lang="en-US" dirty="0" err="1"/>
+              <a:t>har</a:t>
+            </a:r>
+            <a:r>
+              <a:rPr lang="en-US" dirty="0"/>
+              <a:t> </a:t>
+            </a:r>
+            <a:r>
+              <a:rPr lang="en-US" dirty="0" err="1"/>
+              <a:t>utforsket</a:t>
+            </a:r>
+            <a:r>
+              <a:rPr lang="en-US" dirty="0"/>
+              <a:t> </a:t>
+            </a:r>
+            <a:r>
+              <a:rPr lang="en-US" dirty="0" err="1"/>
+              <a:t>hva</a:t>
+            </a:r>
+            <a:r>
+              <a:rPr lang="en-US" dirty="0"/>
+              <a:t> </a:t>
+            </a:r>
+            <a:r>
+              <a:rPr lang="en-US" dirty="0" err="1"/>
+              <a:t>cloudteknologi</a:t>
+            </a:r>
+            <a:r>
+              <a:rPr lang="en-US" dirty="0"/>
+              <a:t> </a:t>
+            </a:r>
+            <a:r>
+              <a:rPr lang="en-US" dirty="0" err="1"/>
+              <a:t>og</a:t>
+            </a:r>
+            <a:r>
+              <a:rPr lang="en-US" dirty="0"/>
+              <a:t> Docker er, </a:t>
+            </a:r>
+            <a:r>
+              <a:rPr lang="en-US" dirty="0" err="1"/>
+              <a:t>samt</a:t>
+            </a:r>
+            <a:r>
+              <a:rPr lang="en-US" dirty="0"/>
+              <a:t> </a:t>
+            </a:r>
+            <a:r>
+              <a:rPr lang="en-US" dirty="0" err="1"/>
+              <a:t>deres</a:t>
+            </a:r>
+            <a:r>
+              <a:rPr lang="en-US" dirty="0"/>
+              <a:t> </a:t>
+            </a:r>
+            <a:r>
+              <a:rPr lang="en-US" dirty="0" err="1"/>
+              <a:t>betydning</a:t>
+            </a:r>
+            <a:r>
+              <a:rPr lang="en-US" dirty="0"/>
+              <a:t> for </a:t>
+            </a:r>
+            <a:r>
+              <a:rPr lang="en-US" dirty="0" err="1"/>
+              <a:t>moderne</a:t>
+            </a:r>
+            <a:r>
+              <a:rPr lang="en-US" dirty="0"/>
+              <a:t> </a:t>
+            </a:r>
+            <a:r>
+              <a:rPr lang="en-US" dirty="0" err="1"/>
+              <a:t>databehandling</a:t>
+            </a:r>
+            <a:r>
+              <a:rPr lang="en-US" dirty="0"/>
+              <a:t>.
+Vi </a:t>
+            </a:r>
+            <a:r>
+              <a:rPr lang="en-US" dirty="0" err="1"/>
+              <a:t>har</a:t>
+            </a:r>
+            <a:r>
+              <a:rPr lang="en-US" dirty="0"/>
+              <a:t> </a:t>
+            </a:r>
+            <a:r>
+              <a:rPr lang="en-US" dirty="0" err="1"/>
+              <a:t>lært</a:t>
+            </a:r>
+            <a:r>
+              <a:rPr lang="en-US" dirty="0"/>
+              <a:t> om Docker-</a:t>
+            </a:r>
+            <a:r>
+              <a:rPr lang="en-US" dirty="0" err="1"/>
+              <a:t>arkitektur</a:t>
+            </a:r>
+            <a:r>
+              <a:rPr lang="en-US" dirty="0"/>
+              <a:t>, </a:t>
+            </a:r>
+            <a:r>
+              <a:rPr lang="en-US" dirty="0" err="1"/>
+              <a:t>inkludert</a:t>
+            </a:r>
+            <a:r>
+              <a:rPr lang="en-US" dirty="0"/>
+              <a:t> images, </a:t>
+            </a:r>
+            <a:r>
+              <a:rPr lang="en-US" dirty="0" err="1"/>
+              <a:t>containere</a:t>
+            </a:r>
+            <a:r>
+              <a:rPr lang="en-US" dirty="0"/>
+              <a:t>, </a:t>
+            </a:r>
+            <a:r>
+              <a:rPr lang="en-US" dirty="0" err="1"/>
+              <a:t>nettverk</a:t>
+            </a:r>
+            <a:r>
+              <a:rPr lang="en-US" dirty="0"/>
+              <a:t> </a:t>
+            </a:r>
+            <a:r>
+              <a:rPr lang="en-US" dirty="0" err="1"/>
+              <a:t>og</a:t>
+            </a:r>
+            <a:r>
+              <a:rPr lang="en-US" dirty="0"/>
+              <a:t> </a:t>
+            </a:r>
+            <a:r>
+              <a:rPr lang="en-US" dirty="0" err="1"/>
+              <a:t>volumer</a:t>
+            </a:r>
+            <a:r>
+              <a:rPr lang="en-US" dirty="0"/>
+              <a:t>.
+Vi </a:t>
+            </a:r>
+            <a:r>
+              <a:rPr lang="en-US" dirty="0" err="1"/>
+              <a:t>har</a:t>
+            </a:r>
+            <a:r>
+              <a:rPr lang="en-US" dirty="0"/>
+              <a:t> </a:t>
+            </a:r>
+            <a:r>
+              <a:rPr lang="en-US" dirty="0" err="1"/>
+              <a:t>diskutert</a:t>
+            </a:r>
+            <a:r>
+              <a:rPr lang="en-US" dirty="0"/>
+              <a:t> Docker Compose </a:t>
+            </a:r>
+            <a:r>
+              <a:rPr lang="en-US" dirty="0" err="1"/>
+              <a:t>og</a:t>
+            </a:r>
+            <a:r>
+              <a:rPr lang="en-US" dirty="0"/>
+              <a:t> </a:t>
+            </a:r>
+            <a:r>
+              <a:rPr lang="en-US" dirty="0" err="1"/>
+              <a:t>hvordan</a:t>
+            </a:r>
+            <a:r>
+              <a:rPr lang="en-US" dirty="0"/>
+              <a:t> det </a:t>
+            </a:r>
+            <a:r>
+              <a:rPr lang="en-US" dirty="0" err="1"/>
+              <a:t>forenkler</a:t>
+            </a:r>
+            <a:r>
+              <a:rPr lang="en-US" dirty="0"/>
+              <a:t> </a:t>
+            </a:r>
+            <a:r>
+              <a:rPr lang="en-US" dirty="0" err="1"/>
+              <a:t>arbeidet</a:t>
+            </a:r>
+            <a:r>
+              <a:rPr lang="en-US" dirty="0"/>
+              <a:t> med multi-container </a:t>
+            </a:r>
+            <a:r>
+              <a:rPr lang="en-US" dirty="0" err="1"/>
+              <a:t>applikasjoner</a:t>
+            </a:r>
+            <a:r>
+              <a:rPr lang="en-US" dirty="0"/>
+              <a:t>.</a:t>
             </a:r>
           </a:p>
         </p:txBody>
@@ -22510,15 +22843,16 @@
               <a:t>Introduksjon til cloudteknologi
 Hvorfor cloudteknologi er viktig
 Introduksjon til Docker
-Docker-arkitektur
-Docker Images
-Docker Containers
-Docker-nettverk
-Docker Volumer
+Docker-</a:t>
+            </a:r>
+            <a:r>
+              <a:rPr lang="en-US" sz="1400" dirty="0" err="1"/>
+              <a:t>arkitektur</a:t>
+            </a:r>
+            <a:r>
+              <a:rPr lang="en-US" sz="1400" dirty="0"/>
+              <a:t>
 Introduksjon til Docker Compose
-Docker Compose filstruktur
-Docker Compose kommandoer
-Docker Compose i praksis
 Beste praksis
 Vanlige problemer og feilsøking
 Oppsummering</a:t>
@@ -22734,8 +23068,108 @@
               <a:buNone/>
             </a:pPr>
             <a:r>
-              <a:rPr lang="en-US"/>
-              <a:t>Cloudteknologi refererer til levering av databehandlingstjenester over internett, inkludert servere, lagring, databaser, nettverk, programvare og analyser.</a:t>
+              <a:rPr lang="en-US" dirty="0" err="1"/>
+              <a:t>Cloudteknologi</a:t>
+            </a:r>
+            <a:r>
+              <a:rPr lang="en-US" dirty="0"/>
+              <a:t> </a:t>
+            </a:r>
+            <a:r>
+              <a:rPr lang="en-US" dirty="0" err="1"/>
+              <a:t>refererer</a:t>
+            </a:r>
+            <a:r>
+              <a:rPr lang="en-US" dirty="0"/>
+              <a:t> </a:t>
+            </a:r>
+            <a:r>
+              <a:rPr lang="en-US" dirty="0" err="1"/>
+              <a:t>til</a:t>
+            </a:r>
+            <a:r>
+              <a:rPr lang="en-US" dirty="0"/>
+              <a:t> levering av </a:t>
+            </a:r>
+            <a:r>
+              <a:rPr lang="en-US" dirty="0" err="1"/>
+              <a:t>databehandlingstjenester</a:t>
+            </a:r>
+            <a:r>
+              <a:rPr lang="en-US" dirty="0"/>
+              <a:t> over </a:t>
+            </a:r>
+            <a:r>
+              <a:rPr lang="en-US" dirty="0" err="1"/>
+              <a:t>internett</a:t>
+            </a:r>
+            <a:r>
+              <a:rPr lang="en-US" dirty="0"/>
+              <a:t>, </a:t>
+            </a:r>
+            <a:r>
+              <a:rPr lang="en-US" dirty="0" err="1"/>
+              <a:t>inkludert</a:t>
+            </a:r>
+            <a:r>
+              <a:rPr lang="en-US" dirty="0"/>
+              <a:t> </a:t>
+            </a:r>
+            <a:r>
+              <a:rPr lang="en-US" dirty="0" err="1"/>
+              <a:t>servere</a:t>
+            </a:r>
+            <a:r>
+              <a:rPr lang="en-US" dirty="0"/>
+              <a:t>, </a:t>
+            </a:r>
+            <a:r>
+              <a:rPr lang="en-US" dirty="0" err="1"/>
+              <a:t>lagring</a:t>
+            </a:r>
+            <a:r>
+              <a:rPr lang="en-US" dirty="0"/>
+              <a:t>, </a:t>
+            </a:r>
+            <a:r>
+              <a:rPr lang="en-US" dirty="0" err="1"/>
+              <a:t>databaser</a:t>
+            </a:r>
+            <a:r>
+              <a:rPr lang="en-US" dirty="0"/>
+              <a:t>, </a:t>
+            </a:r>
+            <a:r>
+              <a:rPr lang="en-US" dirty="0" err="1"/>
+              <a:t>nettverk</a:t>
+            </a:r>
+            <a:r>
+              <a:rPr lang="en-US" dirty="0"/>
+              <a:t>, </a:t>
+            </a:r>
+            <a:r>
+              <a:rPr lang="en-US" dirty="0" err="1"/>
+              <a:t>programvare</a:t>
+            </a:r>
+            <a:r>
+              <a:rPr lang="en-US" dirty="0"/>
+              <a:t> </a:t>
+            </a:r>
+            <a:r>
+              <a:rPr lang="en-US" dirty="0" err="1"/>
+              <a:t>og</a:t>
+            </a:r>
+            <a:r>
+              <a:rPr lang="en-US" dirty="0"/>
+              <a:t> </a:t>
+            </a:r>
+            <a:r>
+              <a:rPr lang="en-US" dirty="0" err="1"/>
+              <a:t>analyser</a:t>
+            </a:r>
+            <a:r>
+              <a:rPr lang="en-US" dirty="0"/>
+              <a:t>.</a:t>
             </a:r>
           </a:p>
         </p:txBody>
@@ -22778,8 +23212,124 @@
               <a:buNone/>
             </a:pPr>
             <a:r>
-              <a:rPr lang="en-US"/>
-              <a:t>Cloudteknologi muliggjør on-demand tilgang til ressurser, som gir virksomheter fleksibilitet og skalerbarhet for å møte varierende behov.</a:t>
+              <a:rPr lang="en-US" dirty="0" err="1"/>
+              <a:t>Cloudteknologi</a:t>
+            </a:r>
+            <a:r>
+              <a:rPr lang="en-US" dirty="0"/>
+              <a:t> </a:t>
+            </a:r>
+            <a:r>
+              <a:rPr lang="en-US" dirty="0" err="1"/>
+              <a:t>muliggjør</a:t>
+            </a:r>
+            <a:r>
+              <a:rPr lang="en-US" dirty="0"/>
+              <a:t> on-demand </a:t>
+            </a:r>
+            <a:r>
+              <a:rPr lang="en-US" dirty="0" err="1"/>
+              <a:t>tilgang</a:t>
+            </a:r>
+            <a:r>
+              <a:rPr lang="en-US" dirty="0"/>
+              <a:t> </a:t>
+            </a:r>
+            <a:r>
+              <a:rPr lang="en-US" dirty="0" err="1"/>
+              <a:t>til</a:t>
+            </a:r>
+            <a:r>
+              <a:rPr lang="en-US" dirty="0"/>
+              <a:t> </a:t>
+            </a:r>
+            <a:r>
+              <a:rPr lang="en-US" dirty="0" err="1"/>
+              <a:t>ressurser</a:t>
+            </a:r>
+            <a:r>
+              <a:rPr lang="en-US" dirty="0"/>
+              <a:t>, </a:t>
+            </a:r>
+            <a:r>
+              <a:rPr lang="en-US" dirty="0" err="1"/>
+              <a:t>som</a:t>
+            </a:r>
+            <a:r>
+              <a:rPr lang="en-US" dirty="0"/>
+              <a:t> </a:t>
+            </a:r>
+            <a:r>
+              <a:rPr lang="en-US" dirty="0" err="1"/>
+              <a:t>gir</a:t>
+            </a:r>
+            <a:r>
+              <a:rPr lang="en-US" dirty="0"/>
+              <a:t> </a:t>
+            </a:r>
+            <a:r>
+              <a:rPr lang="en-US" dirty="0" err="1"/>
+              <a:t>virksomheter</a:t>
+            </a:r>
+            <a:r>
+              <a:rPr lang="en-US" dirty="0"/>
+              <a:t> </a:t>
+            </a:r>
+            <a:r>
+              <a:rPr lang="en-US" dirty="0" err="1"/>
+              <a:t>fleksibilitet</a:t>
+            </a:r>
+            <a:r>
+              <a:rPr lang="en-US" dirty="0"/>
+              <a:t> </a:t>
+            </a:r>
+            <a:r>
+              <a:rPr lang="en-US" dirty="0" err="1"/>
+              <a:t>og</a:t>
+            </a:r>
+            <a:r>
+              <a:rPr lang="en-US" dirty="0"/>
+              <a:t> </a:t>
+            </a:r>
+            <a:r>
+              <a:rPr lang="en-US" dirty="0" err="1"/>
+              <a:t>skalerbarhet</a:t>
+            </a:r>
+            <a:r>
+              <a:rPr lang="en-US" dirty="0"/>
+              <a:t> for </a:t>
+            </a:r>
+            <a:r>
+              <a:rPr lang="en-US" dirty="0" err="1"/>
+              <a:t>å</a:t>
+            </a:r>
+            <a:r>
+              <a:rPr lang="en-US" dirty="0"/>
+              <a:t> </a:t>
+            </a:r>
+            <a:r>
+              <a:rPr lang="en-US" dirty="0" err="1"/>
+              <a:t>møte</a:t>
+            </a:r>
+            <a:r>
+              <a:rPr lang="en-US" dirty="0"/>
+              <a:t> </a:t>
+            </a:r>
+            <a:r>
+              <a:rPr lang="en-US" dirty="0" err="1"/>
+              <a:t>varierende</a:t>
+            </a:r>
+            <a:r>
+              <a:rPr lang="en-US" dirty="0"/>
+              <a:t> </a:t>
+            </a:r>
+            <a:r>
+              <a:rPr lang="en-US" dirty="0" err="1"/>
+              <a:t>behov</a:t>
+            </a:r>
+            <a:r>
+              <a:rPr lang="en-US" dirty="0"/>
+              <a:t>.</a:t>
             </a:r>
           </a:p>
         </p:txBody>
@@ -23221,11 +23771,227 @@
               <a:buChar char="•"/>
             </a:pPr>
             <a:r>
-              <a:rPr lang="en-US" sz="1400"/>
-              <a:t>Reduserte IT-kostnader gir bedre budsjettkontroll.
-Forretningskontinuitet sikres med sikkerhetskopiering og gjenoppretting.
-Automatiske oppdateringer holder programvaren oppdatert uten manuell innsats.
-Konkurransefordeler oppnås ved raskere innovasjon og implementering.</a:t>
+              <a:rPr lang="en-US" sz="1400" dirty="0" err="1"/>
+              <a:t>Reduserte</a:t>
+            </a:r>
+            <a:r>
+              <a:rPr lang="en-US" sz="1400" dirty="0"/>
+              <a:t> IT-</a:t>
+            </a:r>
+            <a:r>
+              <a:rPr lang="en-US" sz="1400" dirty="0" err="1"/>
+              <a:t>kostnader</a:t>
+            </a:r>
+            <a:r>
+              <a:rPr lang="en-US" sz="1400" dirty="0"/>
+              <a:t>
+</a:t>
+            </a:r>
+            <a:r>
+              <a:rPr lang="en-US" sz="1400" dirty="0" err="1"/>
+              <a:t>Forretningskontinuitet</a:t>
+            </a:r>
+            <a:r>
+              <a:rPr lang="en-US" sz="1400" dirty="0"/>
+              <a:t> </a:t>
+            </a:r>
+            <a:r>
+              <a:rPr lang="en-US" sz="1400" dirty="0" err="1"/>
+              <a:t>sikres</a:t>
+            </a:r>
+            <a:r>
+              <a:rPr lang="en-US" sz="1400" dirty="0"/>
+              <a:t> med </a:t>
+            </a:r>
+            <a:r>
+              <a:rPr lang="en-US" sz="1400" dirty="0" err="1"/>
+              <a:t>sikkerhetskopiering</a:t>
+            </a:r>
+            <a:r>
+              <a:rPr lang="en-US" sz="1400" dirty="0"/>
+              <a:t> </a:t>
+            </a:r>
+            <a:r>
+              <a:rPr lang="en-US" sz="1400" dirty="0" err="1"/>
+              <a:t>og</a:t>
+            </a:r>
+            <a:r>
+              <a:rPr lang="en-US" sz="1400" dirty="0"/>
+              <a:t> </a:t>
+            </a:r>
+            <a:r>
+              <a:rPr lang="en-US" sz="1400" dirty="0" err="1"/>
+              <a:t>gjenoppretting</a:t>
+            </a:r>
+            <a:r>
+              <a:rPr lang="en-US" sz="1400" dirty="0"/>
+              <a:t>.
+</a:t>
+            </a:r>
+            <a:r>
+              <a:rPr lang="en-US" sz="1400" dirty="0" err="1"/>
+              <a:t>Automatiske</a:t>
+            </a:r>
+            <a:r>
+              <a:rPr lang="en-US" sz="1400" dirty="0"/>
+              <a:t> </a:t>
+            </a:r>
+            <a:r>
+              <a:rPr lang="en-US" sz="1400" dirty="0" err="1"/>
+              <a:t>oppdateringer</a:t>
+            </a:r>
+            <a:r>
+              <a:rPr lang="en-US" sz="1400" dirty="0"/>
+              <a:t> holder </a:t>
+            </a:r>
+            <a:r>
+              <a:rPr lang="en-US" sz="1400" dirty="0" err="1"/>
+              <a:t>programvaren</a:t>
+            </a:r>
+            <a:r>
+              <a:rPr lang="en-US" sz="1400" dirty="0"/>
+              <a:t> </a:t>
+            </a:r>
+            <a:r>
+              <a:rPr lang="en-US" sz="1400" dirty="0" err="1"/>
+              <a:t>oppdatert</a:t>
+            </a:r>
+            <a:r>
+              <a:rPr lang="en-US" sz="1400" dirty="0"/>
+              <a:t> </a:t>
+            </a:r>
+            <a:r>
+              <a:rPr lang="en-US" sz="1400" dirty="0" err="1"/>
+              <a:t>uten</a:t>
+            </a:r>
+            <a:r>
+              <a:rPr lang="en-US" sz="1400" dirty="0"/>
+              <a:t> </a:t>
+            </a:r>
+            <a:r>
+              <a:rPr lang="en-US" sz="1400" dirty="0" err="1"/>
+              <a:t>manuell</a:t>
+            </a:r>
+            <a:r>
+              <a:rPr lang="en-US" sz="1400" dirty="0"/>
+              <a:t> </a:t>
+            </a:r>
+            <a:r>
+              <a:rPr lang="en-US" sz="1400" dirty="0" err="1"/>
+              <a:t>innsats</a:t>
+            </a:r>
+            <a:r>
+              <a:rPr lang="en-US" sz="1400" dirty="0"/>
+              <a:t>.
+</a:t>
+            </a:r>
+            <a:r>
+              <a:rPr lang="en-US" sz="1400" dirty="0" err="1"/>
+              <a:t>Konkurransefordeler</a:t>
+            </a:r>
+            <a:r>
+              <a:rPr lang="en-US" sz="1400" dirty="0"/>
+              <a:t> </a:t>
+            </a:r>
+            <a:r>
+              <a:rPr lang="en-US" sz="1400" dirty="0" err="1"/>
+              <a:t>oppnås</a:t>
+            </a:r>
+            <a:r>
+              <a:rPr lang="en-US" sz="1400" dirty="0"/>
+              <a:t> </a:t>
+            </a:r>
+            <a:r>
+              <a:rPr lang="en-US" sz="1400" dirty="0" err="1"/>
+              <a:t>ved</a:t>
+            </a:r>
+            <a:r>
+              <a:rPr lang="en-US" sz="1400" dirty="0"/>
+              <a:t> </a:t>
+            </a:r>
+            <a:r>
+              <a:rPr lang="en-US" sz="1400" dirty="0" err="1"/>
+              <a:t>raskere</a:t>
+            </a:r>
+            <a:r>
+              <a:rPr lang="en-US" sz="1400" dirty="0"/>
+              <a:t> </a:t>
+            </a:r>
+            <a:r>
+              <a:rPr lang="en-US" sz="1400" dirty="0" err="1"/>
+              <a:t>innovasjon</a:t>
+            </a:r>
+            <a:r>
+              <a:rPr lang="en-US" sz="1400" dirty="0"/>
+              <a:t> </a:t>
+            </a:r>
+            <a:r>
+              <a:rPr lang="en-US" sz="1400" dirty="0" err="1"/>
+              <a:t>og</a:t>
+            </a:r>
+            <a:r>
+              <a:rPr lang="en-US" sz="1400" dirty="0"/>
+              <a:t> </a:t>
+            </a:r>
+            <a:r>
+              <a:rPr lang="en-US" sz="1400" dirty="0" err="1"/>
+              <a:t>implementering</a:t>
+            </a:r>
+            <a:r>
+              <a:rPr lang="en-US" sz="1400" dirty="0"/>
+              <a:t>.</a:t>
+            </a:r>
+          </a:p>
+          <a:p>
+            <a:pPr marL="296863" indent="-285750">
+              <a:lnSpc>
+                <a:spcPct val="100000"/>
+              </a:lnSpc>
+              <a:buClr>
+                <a:schemeClr val="tx2"/>
+              </a:buClr>
+              <a:buFont typeface="Arial" panose="020B0604020202020204" pitchFamily="34" charset="0"/>
+              <a:buChar char="•"/>
+            </a:pPr>
+            <a:r>
+              <a:rPr lang="en-US" sz="1400" dirty="0" err="1"/>
+              <a:t>Datalagring</a:t>
+            </a:r>
+            <a:r>
+              <a:rPr lang="en-US" sz="1400" dirty="0"/>
+              <a:t> </a:t>
+            </a:r>
+            <a:r>
+              <a:rPr lang="en-US" sz="1400" dirty="0" err="1"/>
+              <a:t>gir</a:t>
+            </a:r>
+            <a:r>
+              <a:rPr lang="en-US" sz="1400" dirty="0"/>
+              <a:t> </a:t>
+            </a:r>
+            <a:r>
+              <a:rPr lang="en-US" sz="1400" dirty="0" err="1"/>
+              <a:t>sikkerhet</a:t>
+            </a:r>
+            <a:r>
+              <a:rPr lang="en-US" sz="1400" dirty="0"/>
+              <a:t> </a:t>
+            </a:r>
+            <a:r>
+              <a:rPr lang="en-US" sz="1400" dirty="0" err="1"/>
+              <a:t>og</a:t>
+            </a:r>
+            <a:r>
+              <a:rPr lang="en-US" sz="1400" dirty="0"/>
+              <a:t> </a:t>
+            </a:r>
+            <a:r>
+              <a:rPr lang="en-US" sz="1400" dirty="0" err="1"/>
+              <a:t>tilgjengelighet</a:t>
+            </a:r>
+            <a:r>
+              <a:rPr lang="en-US" sz="1400" dirty="0"/>
+              <a:t> av data.</a:t>
             </a:r>
           </a:p>
         </p:txBody>
@@ -23271,12 +24037,7 @@
               <a:buFont typeface="Arial" panose="020B0604020202020204" pitchFamily="34" charset="0"/>
               <a:buChar char="•"/>
             </a:pPr>
-            <a:r>
-              <a:rPr lang="en-US" sz="1400"/>
-              <a:t>Web hosting tilbyr fleksible og skalerbare plattformer.
-Datalagring gir sikkerhet og tilgjengelighet av data.
-Applikasjonsutvikling muliggjør rask distribusjon og testing av programmer.</a:t>
-            </a:r>
+            <a:endParaRPr lang="en-US" sz="1400" dirty="0"/>
           </a:p>
         </p:txBody>
       </p:sp>
@@ -23379,15 +24140,12 @@
                 <a:spcPct val="100000"/>
               </a:lnSpc>
             </a:pPr>
-            <a:r>
-              <a:rPr lang="en-US" sz="1600" b="0">
-                <a:solidFill>
-                  <a:schemeClr val="tx2"/>
-                </a:solidFill>
-                <a:latin typeface="+mj-lt"/>
-              </a:rPr>
-              <a:t>Bruksområder for cloudteknologi</a:t>
-            </a:r>
+            <a:endParaRPr lang="en-US" sz="1600" b="0" dirty="0">
+              <a:solidFill>
+                <a:schemeClr val="tx2"/>
+              </a:solidFill>
+              <a:latin typeface="+mj-lt"/>
+            </a:endParaRPr>
           </a:p>
         </p:txBody>
       </p:sp>
@@ -23410,10 +24168,10 @@
           </p:nvPr>
         </p:nvPicPr>
         <p:blipFill>
-          <a:blip r:embed="rId11">
+          <a:blip r:embed="rId10">
             <a:extLst>
               <a:ext uri="{96DAC541-7B7A-43D3-8B79-37D633B846F1}">
-                <asvg:svgBlip xmlns:asvg="http://schemas.microsoft.com/office/drawing/2016/SVG/main" r:embed="rId12"/>
+                <asvg:svgBlip xmlns:asvg="http://schemas.microsoft.com/office/drawing/2016/SVG/main" r:embed="rId11"/>
               </a:ext>
             </a:extLst>
           </a:blip>
@@ -23431,46 +24189,6 @@
           </a:prstGeom>
         </p:spPr>
       </p:pic>
-      <p:pic>
-        <p:nvPicPr>
-          <p:cNvPr id="6" name="Graphic 5">
-            <a:extLst>
-              <a:ext uri="{FF2B5EF4-FFF2-40B4-BE49-F238E27FC236}">
-                <a16:creationId xmlns:a16="http://schemas.microsoft.com/office/drawing/2014/main" id="{9E3399F0-D756-19DD-B624-146CDF759136}"/>
-              </a:ext>
-            </a:extLst>
-          </p:cNvPr>
-          <p:cNvPicPr>
-            <a:picLocks noChangeAspect="1"/>
-          </p:cNvPicPr>
-          <p:nvPr>
-            <p:custDataLst>
-              <p:tags r:id="rId8"/>
-            </p:custDataLst>
-          </p:nvPr>
-        </p:nvPicPr>
-        <p:blipFill>
-          <a:blip r:embed="rId13">
-            <a:extLst>
-              <a:ext uri="{96DAC541-7B7A-43D3-8B79-37D633B846F1}">
-                <asvg:svgBlip xmlns:asvg="http://schemas.microsoft.com/office/drawing/2016/SVG/main" r:embed="rId14"/>
-              </a:ext>
-            </a:extLst>
-          </a:blip>
-          <a:stretch>
-            <a:fillRect/>
-          </a:stretch>
-        </p:blipFill>
-        <p:spPr>
-          <a:xfrm>
-            <a:off x="4468800" y="3529647"/>
-            <a:ext cx="274320" cy="274320"/>
-          </a:xfrm>
-          <a:prstGeom prst="rect">
-            <a:avLst/>
-          </a:prstGeom>
-        </p:spPr>
-      </p:pic>
       <p:sp>
         <p:nvSpPr>
           <p:cNvPr id="9" name="Rectangle 8">
@@ -23483,7 +24201,7 @@
           <p:cNvSpPr/>
           <p:nvPr>
             <p:custDataLst>
-              <p:tags r:id="rId9"/>
+              <p:tags r:id="rId8"/>
             </p:custDataLst>
           </p:nvPr>
         </p:nvSpPr>
@@ -23674,8 +24392,128 @@
               <a:buNone/>
             </a:pPr>
             <a:r>
-              <a:rPr lang="en-US"/>
-              <a:t>Docker er en containeriseringsplattform som lar utviklere pakke applikasjoner og avhengigheter i en isolert enhet som kalles en container.</a:t>
+              <a:rPr lang="en-US" dirty="0"/>
+              <a:t>Docker er </a:t>
+            </a:r>
+            <a:r>
+              <a:rPr lang="en-US" dirty="0" err="1"/>
+              <a:t>en</a:t>
+            </a:r>
+            <a:r>
+              <a:rPr lang="en-US" dirty="0"/>
+              <a:t> </a:t>
+            </a:r>
+            <a:r>
+              <a:rPr lang="en-US" dirty="0" err="1"/>
+              <a:t>containeriseringsplattform</a:t>
+            </a:r>
+            <a:r>
+              <a:rPr lang="en-US" dirty="0"/>
+              <a:t> </a:t>
+            </a:r>
+            <a:r>
+              <a:rPr lang="en-US" dirty="0" err="1"/>
+              <a:t>som</a:t>
+            </a:r>
+            <a:r>
+              <a:rPr lang="en-US" dirty="0"/>
+              <a:t> lar </a:t>
+            </a:r>
+            <a:r>
+              <a:rPr lang="en-US" dirty="0" err="1"/>
+              <a:t>utviklere</a:t>
+            </a:r>
+            <a:r>
+              <a:rPr lang="en-US" dirty="0"/>
+              <a:t> </a:t>
+            </a:r>
+            <a:r>
+              <a:rPr lang="en-US" dirty="0" err="1"/>
+              <a:t>pakke</a:t>
+            </a:r>
+            <a:r>
+              <a:rPr lang="en-US" dirty="0"/>
+              <a:t> </a:t>
+            </a:r>
+            <a:r>
+              <a:rPr lang="en-US" dirty="0" err="1"/>
+              <a:t>applikasjoner</a:t>
+            </a:r>
+            <a:r>
+              <a:rPr lang="en-US" dirty="0"/>
+              <a:t> </a:t>
+            </a:r>
+            <a:r>
+              <a:rPr lang="en-US" dirty="0" err="1"/>
+              <a:t>og</a:t>
+            </a:r>
+            <a:r>
+              <a:rPr lang="en-US" dirty="0"/>
+              <a:t> </a:t>
+            </a:r>
+            <a:r>
+              <a:rPr lang="en-US" dirty="0" err="1"/>
+              <a:t>avhengigheter</a:t>
+            </a:r>
+            <a:r>
+              <a:rPr lang="en-US" dirty="0"/>
+              <a:t> </a:t>
+            </a:r>
+            <a:r>
+              <a:rPr lang="en-US" dirty="0" err="1"/>
+              <a:t>i</a:t>
+            </a:r>
+            <a:r>
+              <a:rPr lang="en-US" dirty="0"/>
+              <a:t> </a:t>
+            </a:r>
+            <a:r>
+              <a:rPr lang="en-US" dirty="0" err="1"/>
+              <a:t>en</a:t>
+            </a:r>
+            <a:r>
+              <a:rPr lang="en-US" dirty="0"/>
+              <a:t> </a:t>
+            </a:r>
+            <a:r>
+              <a:rPr lang="en-US" dirty="0" err="1"/>
+              <a:t>isolert</a:t>
+            </a:r>
+            <a:r>
+              <a:rPr lang="en-US" dirty="0"/>
+              <a:t> </a:t>
+            </a:r>
+            <a:r>
+              <a:rPr lang="en-US" dirty="0" err="1"/>
+              <a:t>enhet</a:t>
+            </a:r>
+            <a:r>
+              <a:rPr lang="en-US" dirty="0"/>
+              <a:t> </a:t>
+            </a:r>
+            <a:r>
+              <a:rPr lang="en-US" dirty="0" err="1"/>
+              <a:t>som</a:t>
+            </a:r>
+            <a:r>
+              <a:rPr lang="en-US" dirty="0"/>
+              <a:t> </a:t>
+            </a:r>
+            <a:r>
+              <a:rPr lang="en-US" dirty="0" err="1"/>
+              <a:t>kalles</a:t>
+            </a:r>
+            <a:r>
+              <a:rPr lang="en-US" dirty="0"/>
+              <a:t> </a:t>
+            </a:r>
+            <a:r>
+              <a:rPr lang="en-US" dirty="0" err="1"/>
+              <a:t>en</a:t>
+            </a:r>
+            <a:r>
+              <a:rPr lang="en-US" dirty="0"/>
+              <a:t> container.</a:t>
             </a:r>
           </a:p>
         </p:txBody>
@@ -23711,16 +24549,54 @@
           </a:bodyPr>
           <a:lstStyle/>
           <a:p>
-            <a:pPr marL="11113" indent="0">
+            <a:pPr marL="296863" indent="-285750">
               <a:lnSpc>
                 <a:spcPct val="120000"/>
               </a:lnSpc>
-              <a:buNone/>
+              <a:buFontTx/>
+              <a:buChar char="-"/>
             </a:pPr>
             <a:r>
+              <a:rPr lang="en-US" dirty="0" err="1"/>
+              <a:t>Portabilitet</a:t>
+            </a:r>
+            <a:endParaRPr lang="en-US" dirty="0"/>
+          </a:p>
+          <a:p>
+            <a:pPr marL="296863" indent="-285750">
+              <a:lnSpc>
+                <a:spcPct val="120000"/>
+              </a:lnSpc>
+              <a:buFontTx/>
+              <a:buChar char="-"/>
+            </a:pPr>
+            <a:r>
+              <a:rPr lang="en-US" dirty="0" err="1"/>
+              <a:t>Effektiv</a:t>
+            </a:r>
+            <a:r>
               <a:rPr lang="en-US" dirty="0"/>
-              <a:t>Docker tilbyr en rekke fordeler, inkludert portabilitet, noe som betyr at applikasjoner kan kjøres på hvilken som helst plattform; effektivitet ved å bruke ressurser optimalt; og isolasjon som beskytter applikasjoner fra hverandre.</a:t>
-            </a:r>
+              <a:t> </a:t>
+            </a:r>
+            <a:r>
+              <a:rPr lang="en-US" dirty="0" err="1"/>
+              <a:t>ressursbruk</a:t>
+            </a:r>
+            <a:endParaRPr lang="en-US" dirty="0"/>
+          </a:p>
+          <a:p>
+            <a:pPr marL="296863" indent="-285750">
+              <a:lnSpc>
+                <a:spcPct val="120000"/>
+              </a:lnSpc>
+              <a:buFontTx/>
+              <a:buChar char="-"/>
+            </a:pPr>
+            <a:r>
+              <a:rPr lang="en-US" dirty="0" err="1"/>
+              <a:t>Isolasjon</a:t>
+            </a:r>
+            <a:endParaRPr lang="en-US" dirty="0"/>
           </a:p>
         </p:txBody>
       </p:sp>
@@ -27245,55 +28121,55 @@
 
 <file path=ppt/tags/tag101.xml><?xml version="1.0" encoding="utf-8"?>
 <p:tagLst xmlns:a="http://schemas.openxmlformats.org/drawingml/2006/main" xmlns:r="http://schemas.openxmlformats.org/officeDocument/2006/relationships" xmlns:p="http://schemas.openxmlformats.org/presentationml/2006/main">
-  <p:tag name="PLUS_ID" val="chapter"/>
+  <p:tag name="PLUS_ID" val="title"/>
 </p:tagLst>
 </file>
 
 <file path=ppt/tags/tag102.xml><?xml version="1.0" encoding="utf-8"?>
 <p:tagLst xmlns:a="http://schemas.openxmlformats.org/drawingml/2006/main" xmlns:r="http://schemas.openxmlformats.org/officeDocument/2006/relationships" xmlns:p="http://schemas.openxmlformats.org/presentationml/2006/main">
-  <p:tag name="PLUS_ID" val="title"/>
+  <p:tag name="PLUS_ID" val="detail_0"/>
 </p:tagLst>
 </file>
 
 <file path=ppt/tags/tag103.xml><?xml version="1.0" encoding="utf-8"?>
 <p:tagLst xmlns:a="http://schemas.openxmlformats.org/drawingml/2006/main" xmlns:r="http://schemas.openxmlformats.org/officeDocument/2006/relationships" xmlns:p="http://schemas.openxmlformats.org/presentationml/2006/main">
-  <p:tag name="PLUS_ID" val="detail_0"/>
+  <p:tag name="PLUS_ID" val="detail_1"/>
 </p:tagLst>
 </file>
 
 <file path=ppt/tags/tag104.xml><?xml version="1.0" encoding="utf-8"?>
 <p:tagLst xmlns:a="http://schemas.openxmlformats.org/drawingml/2006/main" xmlns:r="http://schemas.openxmlformats.org/officeDocument/2006/relationships" xmlns:p="http://schemas.openxmlformats.org/presentationml/2006/main">
-  <p:tag name="PLUS_ID" val="detail_1"/>
+  <p:tag name="PLUS_ID" val="detail_2"/>
 </p:tagLst>
 </file>
 
 <file path=ppt/tags/tag105.xml><?xml version="1.0" encoding="utf-8"?>
 <p:tagLst xmlns:a="http://schemas.openxmlformats.org/drawingml/2006/main" xmlns:r="http://schemas.openxmlformats.org/officeDocument/2006/relationships" xmlns:p="http://schemas.openxmlformats.org/presentationml/2006/main">
-  <p:tag name="PLUS_ID" val="detail_2"/>
+  <p:tag name="PLUS_ID" val="header_0"/>
 </p:tagLst>
 </file>
 
 <file path=ppt/tags/tag106.xml><?xml version="1.0" encoding="utf-8"?>
 <p:tagLst xmlns:a="http://schemas.openxmlformats.org/drawingml/2006/main" xmlns:r="http://schemas.openxmlformats.org/officeDocument/2006/relationships" xmlns:p="http://schemas.openxmlformats.org/presentationml/2006/main">
-  <p:tag name="PLUS_ID" val="header_0"/>
+  <p:tag name="PLUS_ID" val="header_1"/>
 </p:tagLst>
 </file>
 
 <file path=ppt/tags/tag107.xml><?xml version="1.0" encoding="utf-8"?>
 <p:tagLst xmlns:a="http://schemas.openxmlformats.org/drawingml/2006/main" xmlns:r="http://schemas.openxmlformats.org/officeDocument/2006/relationships" xmlns:p="http://schemas.openxmlformats.org/presentationml/2006/main">
-  <p:tag name="PLUS_ID" val="header_1"/>
+  <p:tag name="PLUS_ID" val="header_2"/>
 </p:tagLst>
 </file>
 
 <file path=ppt/tags/tag108.xml><?xml version="1.0" encoding="utf-8"?>
 <p:tagLst xmlns:a="http://schemas.openxmlformats.org/drawingml/2006/main" xmlns:r="http://schemas.openxmlformats.org/officeDocument/2006/relationships" xmlns:p="http://schemas.openxmlformats.org/presentationml/2006/main">
-  <p:tag name="PLUS_ID" val="header_2"/>
+  <p:tag name="PLUS_ID" val="detail_3"/>
 </p:tagLst>
 </file>
 
 <file path=ppt/tags/tag109.xml><?xml version="1.0" encoding="utf-8"?>
 <p:tagLst xmlns:a="http://schemas.openxmlformats.org/drawingml/2006/main" xmlns:r="http://schemas.openxmlformats.org/officeDocument/2006/relationships" xmlns:p="http://schemas.openxmlformats.org/presentationml/2006/main">
-  <p:tag name="PLUS_ID" val="detail_3"/>
+  <p:tag name="PLUS_ID" val="header_3"/>
 </p:tagLst>
 </file>
 
@@ -27305,38 +28181,38 @@
 
 <file path=ppt/tags/tag110.xml><?xml version="1.0" encoding="utf-8"?>
 <p:tagLst xmlns:a="http://schemas.openxmlformats.org/drawingml/2006/main" xmlns:r="http://schemas.openxmlformats.org/officeDocument/2006/relationships" xmlns:p="http://schemas.openxmlformats.org/presentationml/2006/main">
-  <p:tag name="PLUS_ID" val="header_3"/>
+  <p:tag name="PLUS_ID" val="logo"/>
 </p:tagLst>
 </file>
 
 <file path=ppt/tags/tag111.xml><?xml version="1.0" encoding="utf-8"?>
 <p:tagLst xmlns:a="http://schemas.openxmlformats.org/drawingml/2006/main" xmlns:r="http://schemas.openxmlformats.org/officeDocument/2006/relationships" xmlns:p="http://schemas.openxmlformats.org/presentationml/2006/main">
-  <p:tag name="PLUS_ID" val="logo"/>
+  <p:tag name="PLUS_THEME" val="background_1"/>
 </p:tagLst>
 </file>
 
 <file path=ppt/tags/tag112.xml><?xml version="1.0" encoding="utf-8"?>
 <p:tagLst xmlns:a="http://schemas.openxmlformats.org/drawingml/2006/main" xmlns:r="http://schemas.openxmlformats.org/officeDocument/2006/relationships" xmlns:p="http://schemas.openxmlformats.org/presentationml/2006/main">
-  <p:tag name="PLUS_THEME" val="background_1"/>
+  <p:tag name="PLUS_ID" val="title"/>
 </p:tagLst>
 </file>
 
 <file path=ppt/tags/tag113.xml><?xml version="1.0" encoding="utf-8"?>
-<p:tagLst xmlns:a="http://schemas.openxmlformats.org/drawingml/2006/main" xmlns:r="http://schemas.openxmlformats.org/officeDocument/2006/relationships" xmlns:p="http://schemas.openxmlformats.org/presentationml/2006/main">
-  <p:tag name="PLUS_ID" val="title"/>
-</p:tagLst>
-</file>
-
-<file path=ppt/tags/tag114.xml><?xml version="1.0" encoding="utf-8"?>
 <p:tagLst xmlns:a="http://schemas.openxmlformats.org/drawingml/2006/main" xmlns:r="http://schemas.openxmlformats.org/officeDocument/2006/relationships" xmlns:p="http://schemas.openxmlformats.org/presentationml/2006/main">
   <p:tag name="PLUS_ID" val="detail_0"/>
   <p:tag name="PLUS_THEME" val="background_0"/>
 </p:tagLst>
 </file>
 
+<file path=ppt/tags/tag114.xml><?xml version="1.0" encoding="utf-8"?>
+<p:tagLst xmlns:a="http://schemas.openxmlformats.org/drawingml/2006/main" xmlns:r="http://schemas.openxmlformats.org/officeDocument/2006/relationships" xmlns:p="http://schemas.openxmlformats.org/presentationml/2006/main">
+  <p:tag name="PLUS_ID" val="logo"/>
+</p:tagLst>
+</file>
+
 <file path=ppt/tags/tag115.xml><?xml version="1.0" encoding="utf-8"?>
 <p:tagLst xmlns:a="http://schemas.openxmlformats.org/drawingml/2006/main" xmlns:r="http://schemas.openxmlformats.org/officeDocument/2006/relationships" xmlns:p="http://schemas.openxmlformats.org/presentationml/2006/main">
-  <p:tag name="PLUS_ID" val="logo"/>
+  <p:tag name="PLUS_ID" val="chapter"/>
 </p:tagLst>
 </file>
 
@@ -27348,19 +28224,19 @@
 
 <file path=ppt/tags/tag117.xml><?xml version="1.0" encoding="utf-8"?>
 <p:tagLst xmlns:a="http://schemas.openxmlformats.org/drawingml/2006/main" xmlns:r="http://schemas.openxmlformats.org/officeDocument/2006/relationships" xmlns:p="http://schemas.openxmlformats.org/presentationml/2006/main">
-  <p:tag name="PLUS_ID" val="chapter"/>
+  <p:tag name="PLUS_ID" val="title"/>
 </p:tagLst>
 </file>
 
 <file path=ppt/tags/tag118.xml><?xml version="1.0" encoding="utf-8"?>
 <p:tagLst xmlns:a="http://schemas.openxmlformats.org/drawingml/2006/main" xmlns:r="http://schemas.openxmlformats.org/officeDocument/2006/relationships" xmlns:p="http://schemas.openxmlformats.org/presentationml/2006/main">
-  <p:tag name="PLUS_ID" val="title"/>
+  <p:tag name="PLUS_ID" val="detail_0"/>
 </p:tagLst>
 </file>
 
 <file path=ppt/tags/tag119.xml><?xml version="1.0" encoding="utf-8"?>
 <p:tagLst xmlns:a="http://schemas.openxmlformats.org/drawingml/2006/main" xmlns:r="http://schemas.openxmlformats.org/officeDocument/2006/relationships" xmlns:p="http://schemas.openxmlformats.org/presentationml/2006/main">
-  <p:tag name="PLUS_ID" val="detail_0"/>
+  <p:tag name="PLUS_ID" val="detail_1"/>
 </p:tagLst>
 </file>
 
@@ -27372,61 +28248,61 @@
 
 <file path=ppt/tags/tag120.xml><?xml version="1.0" encoding="utf-8"?>
 <p:tagLst xmlns:a="http://schemas.openxmlformats.org/drawingml/2006/main" xmlns:r="http://schemas.openxmlformats.org/officeDocument/2006/relationships" xmlns:p="http://schemas.openxmlformats.org/presentationml/2006/main">
-  <p:tag name="PLUS_ID" val="detail_1"/>
+  <p:tag name="PLUS_ID" val="detail_2"/>
 </p:tagLst>
 </file>
 
 <file path=ppt/tags/tag121.xml><?xml version="1.0" encoding="utf-8"?>
 <p:tagLst xmlns:a="http://schemas.openxmlformats.org/drawingml/2006/main" xmlns:r="http://schemas.openxmlformats.org/officeDocument/2006/relationships" xmlns:p="http://schemas.openxmlformats.org/presentationml/2006/main">
-  <p:tag name="PLUS_ID" val="detail_2"/>
+  <p:tag name="PLUS_ID" val="header_0"/>
 </p:tagLst>
 </file>
 
 <file path=ppt/tags/tag122.xml><?xml version="1.0" encoding="utf-8"?>
 <p:tagLst xmlns:a="http://schemas.openxmlformats.org/drawingml/2006/main" xmlns:r="http://schemas.openxmlformats.org/officeDocument/2006/relationships" xmlns:p="http://schemas.openxmlformats.org/presentationml/2006/main">
-  <p:tag name="PLUS_ID" val="header_0"/>
+  <p:tag name="PLUS_ID" val="header_1"/>
 </p:tagLst>
 </file>
 
 <file path=ppt/tags/tag123.xml><?xml version="1.0" encoding="utf-8"?>
 <p:tagLst xmlns:a="http://schemas.openxmlformats.org/drawingml/2006/main" xmlns:r="http://schemas.openxmlformats.org/officeDocument/2006/relationships" xmlns:p="http://schemas.openxmlformats.org/presentationml/2006/main">
-  <p:tag name="PLUS_ID" val="header_1"/>
+  <p:tag name="PLUS_ID" val="header_2"/>
 </p:tagLst>
 </file>
 
 <file path=ppt/tags/tag124.xml><?xml version="1.0" encoding="utf-8"?>
 <p:tagLst xmlns:a="http://schemas.openxmlformats.org/drawingml/2006/main" xmlns:r="http://schemas.openxmlformats.org/officeDocument/2006/relationships" xmlns:p="http://schemas.openxmlformats.org/presentationml/2006/main">
-  <p:tag name="PLUS_ID" val="header_2"/>
+  <p:tag name="PLUS_ID" val="image_0"/>
 </p:tagLst>
 </file>
 
 <file path=ppt/tags/tag125.xml><?xml version="1.0" encoding="utf-8"?>
 <p:tagLst xmlns:a="http://schemas.openxmlformats.org/drawingml/2006/main" xmlns:r="http://schemas.openxmlformats.org/officeDocument/2006/relationships" xmlns:p="http://schemas.openxmlformats.org/presentationml/2006/main">
-  <p:tag name="PLUS_ID" val="image_0"/>
+  <p:tag name="PLUS_ID" val="image_1"/>
 </p:tagLst>
 </file>
 
 <file path=ppt/tags/tag126.xml><?xml version="1.0" encoding="utf-8"?>
 <p:tagLst xmlns:a="http://schemas.openxmlformats.org/drawingml/2006/main" xmlns:r="http://schemas.openxmlformats.org/officeDocument/2006/relationships" xmlns:p="http://schemas.openxmlformats.org/presentationml/2006/main">
-  <p:tag name="PLUS_ID" val="image_1"/>
+  <p:tag name="PLUS_ID" val="image_2"/>
 </p:tagLst>
 </file>
 
 <file path=ppt/tags/tag127.xml><?xml version="1.0" encoding="utf-8"?>
 <p:tagLst xmlns:a="http://schemas.openxmlformats.org/drawingml/2006/main" xmlns:r="http://schemas.openxmlformats.org/officeDocument/2006/relationships" xmlns:p="http://schemas.openxmlformats.org/presentationml/2006/main">
-  <p:tag name="PLUS_ID" val="image_2"/>
+  <p:tag name="PLUS_ID" val="title"/>
 </p:tagLst>
 </file>
 
 <file path=ppt/tags/tag128.xml><?xml version="1.0" encoding="utf-8"?>
 <p:tagLst xmlns:a="http://schemas.openxmlformats.org/drawingml/2006/main" xmlns:r="http://schemas.openxmlformats.org/officeDocument/2006/relationships" xmlns:p="http://schemas.openxmlformats.org/presentationml/2006/main">
-  <p:tag name="PLUS_ID" val="title"/>
+  <p:tag name="PLUS_ID" val="header_0"/>
 </p:tagLst>
 </file>
 
 <file path=ppt/tags/tag129.xml><?xml version="1.0" encoding="utf-8"?>
 <p:tagLst xmlns:a="http://schemas.openxmlformats.org/drawingml/2006/main" xmlns:r="http://schemas.openxmlformats.org/officeDocument/2006/relationships" xmlns:p="http://schemas.openxmlformats.org/presentationml/2006/main">
-  <p:tag name="PLUS_ID" val="header_0"/>
+  <p:tag name="PLUS_ID" val="detail_0"/>
 </p:tagLst>
 </file>
 
@@ -27438,37 +28314,37 @@
 
 <file path=ppt/tags/tag130.xml><?xml version="1.0" encoding="utf-8"?>
 <p:tagLst xmlns:a="http://schemas.openxmlformats.org/drawingml/2006/main" xmlns:r="http://schemas.openxmlformats.org/officeDocument/2006/relationships" xmlns:p="http://schemas.openxmlformats.org/presentationml/2006/main">
-  <p:tag name="PLUS_ID" val="detail_0"/>
+  <p:tag name="PLUS_ID" val="header_1"/>
 </p:tagLst>
 </file>
 
 <file path=ppt/tags/tag131.xml><?xml version="1.0" encoding="utf-8"?>
 <p:tagLst xmlns:a="http://schemas.openxmlformats.org/drawingml/2006/main" xmlns:r="http://schemas.openxmlformats.org/officeDocument/2006/relationships" xmlns:p="http://schemas.openxmlformats.org/presentationml/2006/main">
-  <p:tag name="PLUS_ID" val="header_1"/>
+  <p:tag name="PLUS_ID" val="detail_1"/>
 </p:tagLst>
 </file>
 
 <file path=ppt/tags/tag132.xml><?xml version="1.0" encoding="utf-8"?>
 <p:tagLst xmlns:a="http://schemas.openxmlformats.org/drawingml/2006/main" xmlns:r="http://schemas.openxmlformats.org/officeDocument/2006/relationships" xmlns:p="http://schemas.openxmlformats.org/presentationml/2006/main">
-  <p:tag name="PLUS_ID" val="detail_1"/>
+  <p:tag name="PLUS_ID" val="icon_0"/>
 </p:tagLst>
 </file>
 
 <file path=ppt/tags/tag133.xml><?xml version="1.0" encoding="utf-8"?>
 <p:tagLst xmlns:a="http://schemas.openxmlformats.org/drawingml/2006/main" xmlns:r="http://schemas.openxmlformats.org/officeDocument/2006/relationships" xmlns:p="http://schemas.openxmlformats.org/presentationml/2006/main">
-  <p:tag name="PLUS_ID" val="icon_0"/>
+  <p:tag name="PLUS_ID" val="icon_1"/>
 </p:tagLst>
 </file>
 
 <file path=ppt/tags/tag134.xml><?xml version="1.0" encoding="utf-8"?>
 <p:tagLst xmlns:a="http://schemas.openxmlformats.org/drawingml/2006/main" xmlns:r="http://schemas.openxmlformats.org/officeDocument/2006/relationships" xmlns:p="http://schemas.openxmlformats.org/presentationml/2006/main">
-  <p:tag name="PLUS_ID" val="icon_1"/>
+  <p:tag name="PLUS_ID" val="logo"/>
 </p:tagLst>
 </file>
 
 <file path=ppt/tags/tag135.xml><?xml version="1.0" encoding="utf-8"?>
 <p:tagLst xmlns:a="http://schemas.openxmlformats.org/drawingml/2006/main" xmlns:r="http://schemas.openxmlformats.org/officeDocument/2006/relationships" xmlns:p="http://schemas.openxmlformats.org/presentationml/2006/main">
-  <p:tag name="PLUS_ID" val="logo"/>
+  <p:tag name="PLUS_ID" val="chapter"/>
 </p:tagLst>
 </file>
 
@@ -27480,19 +28356,19 @@
 
 <file path=ppt/tags/tag137.xml><?xml version="1.0" encoding="utf-8"?>
 <p:tagLst xmlns:a="http://schemas.openxmlformats.org/drawingml/2006/main" xmlns:r="http://schemas.openxmlformats.org/officeDocument/2006/relationships" xmlns:p="http://schemas.openxmlformats.org/presentationml/2006/main">
-  <p:tag name="PLUS_ID" val="chapter"/>
+  <p:tag name="PLUS_ID" val="title"/>
 </p:tagLst>
 </file>
 
 <file path=ppt/tags/tag138.xml><?xml version="1.0" encoding="utf-8"?>
 <p:tagLst xmlns:a="http://schemas.openxmlformats.org/drawingml/2006/main" xmlns:r="http://schemas.openxmlformats.org/officeDocument/2006/relationships" xmlns:p="http://schemas.openxmlformats.org/presentationml/2006/main">
-  <p:tag name="PLUS_ID" val="title"/>
+  <p:tag name="PLUS_ID" val="header_0"/>
 </p:tagLst>
 </file>
 
 <file path=ppt/tags/tag139.xml><?xml version="1.0" encoding="utf-8"?>
 <p:tagLst xmlns:a="http://schemas.openxmlformats.org/drawingml/2006/main" xmlns:r="http://schemas.openxmlformats.org/officeDocument/2006/relationships" xmlns:p="http://schemas.openxmlformats.org/presentationml/2006/main">
-  <p:tag name="PLUS_ID" val="header_0"/>
+  <p:tag name="PLUS_ID" val="detail_0"/>
 </p:tagLst>
 </file>
 
@@ -27504,61 +28380,55 @@
 
 <file path=ppt/tags/tag140.xml><?xml version="1.0" encoding="utf-8"?>
 <p:tagLst xmlns:a="http://schemas.openxmlformats.org/drawingml/2006/main" xmlns:r="http://schemas.openxmlformats.org/officeDocument/2006/relationships" xmlns:p="http://schemas.openxmlformats.org/presentationml/2006/main">
-  <p:tag name="PLUS_ID" val="detail_0"/>
+  <p:tag name="PLUS_ID" val="header_1"/>
 </p:tagLst>
 </file>
 
 <file path=ppt/tags/tag141.xml><?xml version="1.0" encoding="utf-8"?>
 <p:tagLst xmlns:a="http://schemas.openxmlformats.org/drawingml/2006/main" xmlns:r="http://schemas.openxmlformats.org/officeDocument/2006/relationships" xmlns:p="http://schemas.openxmlformats.org/presentationml/2006/main">
-  <p:tag name="PLUS_ID" val="header_1"/>
+  <p:tag name="PLUS_ID" val="detail_1"/>
 </p:tagLst>
 </file>
 
 <file path=ppt/tags/tag142.xml><?xml version="1.0" encoding="utf-8"?>
 <p:tagLst xmlns:a="http://schemas.openxmlformats.org/drawingml/2006/main" xmlns:r="http://schemas.openxmlformats.org/officeDocument/2006/relationships" xmlns:p="http://schemas.openxmlformats.org/presentationml/2006/main">
-  <p:tag name="PLUS_ID" val="detail_1"/>
+  <p:tag name="PLUS_ID" val="logo"/>
 </p:tagLst>
 </file>
 
 <file path=ppt/tags/tag143.xml><?xml version="1.0" encoding="utf-8"?>
 <p:tagLst xmlns:a="http://schemas.openxmlformats.org/drawingml/2006/main" xmlns:r="http://schemas.openxmlformats.org/officeDocument/2006/relationships" xmlns:p="http://schemas.openxmlformats.org/presentationml/2006/main">
-  <p:tag name="PLUS_ID" val="logo"/>
+  <p:tag name="PLUS_THEME" val="background_0"/>
 </p:tagLst>
 </file>
 
 <file path=ppt/tags/tag144.xml><?xml version="1.0" encoding="utf-8"?>
 <p:tagLst xmlns:a="http://schemas.openxmlformats.org/drawingml/2006/main" xmlns:r="http://schemas.openxmlformats.org/officeDocument/2006/relationships" xmlns:p="http://schemas.openxmlformats.org/presentationml/2006/main">
-  <p:tag name="PLUS_THEME" val="background_0"/>
+  <p:tag name="PLUS_THEME" val="background_1"/>
 </p:tagLst>
 </file>
 
 <file path=ppt/tags/tag145.xml><?xml version="1.0" encoding="utf-8"?>
-<p:tagLst xmlns:a="http://schemas.openxmlformats.org/drawingml/2006/main" xmlns:r="http://schemas.openxmlformats.org/officeDocument/2006/relationships" xmlns:p="http://schemas.openxmlformats.org/presentationml/2006/main">
-  <p:tag name="PLUS_THEME" val="background_1"/>
-</p:tagLst>
-</file>
-
-<file path=ppt/tags/tag146.xml><?xml version="1.0" encoding="utf-8"?>
 <p:tagLst xmlns:a="http://schemas.openxmlformats.org/drawingml/2006/main" xmlns:r="http://schemas.openxmlformats.org/officeDocument/2006/relationships" xmlns:p="http://schemas.openxmlformats.org/presentationml/2006/main">
   <p:tag name="PLUS_ID" val="title"/>
   <p:tag name="PLUS_THEME" val="font_0"/>
 </p:tagLst>
 </file>
 
-<file path=ppt/tags/tag147.xml><?xml version="1.0" encoding="utf-8"?>
+<file path=ppt/tags/tag146.xml><?xml version="1.0" encoding="utf-8"?>
 <p:tagLst xmlns:a="http://schemas.openxmlformats.org/drawingml/2006/main" xmlns:r="http://schemas.openxmlformats.org/officeDocument/2006/relationships" xmlns:p="http://schemas.openxmlformats.org/presentationml/2006/main">
   <p:tag name="PLUS_ID" val="detail_0"/>
   <p:tag name="PLUS_THEME" val="font_0"/>
 </p:tagLst>
 </file>
 
-<file path=ppt/tags/tag148.xml><?xml version="1.0" encoding="utf-8"?>
+<file path=ppt/tags/tag147.xml><?xml version="1.0" encoding="utf-8"?>
 <p:tagLst xmlns:a="http://schemas.openxmlformats.org/drawingml/2006/main" xmlns:r="http://schemas.openxmlformats.org/officeDocument/2006/relationships" xmlns:p="http://schemas.openxmlformats.org/presentationml/2006/main">
   <p:tag name="PLUS_ID" val="logo"/>
 </p:tagLst>
 </file>
 
-<file path=ppt/tags/tag149.xml><?xml version="1.0" encoding="utf-8"?>
+<file path=ppt/tags/tag148.xml><?xml version="1.0" encoding="utf-8"?>
 <p:tagLst xmlns:a="http://schemas.openxmlformats.org/drawingml/2006/main" xmlns:r="http://schemas.openxmlformats.org/officeDocument/2006/relationships" xmlns:p="http://schemas.openxmlformats.org/presentationml/2006/main">
   <p:tag name="PLUS_ID" val="chapter"/>
 </p:tagLst>
@@ -27626,37 +28496,37 @@
 
 <file path=ppt/tags/tag24.xml><?xml version="1.0" encoding="utf-8"?>
 <p:tagLst xmlns:a="http://schemas.openxmlformats.org/drawingml/2006/main" xmlns:r="http://schemas.openxmlformats.org/officeDocument/2006/relationships" xmlns:p="http://schemas.openxmlformats.org/presentationml/2006/main">
-  <p:tag name="PLUS_ID" val="icon_1"/>
+  <p:tag name="PLUS_ID" val="logo"/>
 </p:tagLst>
 </file>
 
 <file path=ppt/tags/tag25.xml><?xml version="1.0" encoding="utf-8"?>
 <p:tagLst xmlns:a="http://schemas.openxmlformats.org/drawingml/2006/main" xmlns:r="http://schemas.openxmlformats.org/officeDocument/2006/relationships" xmlns:p="http://schemas.openxmlformats.org/presentationml/2006/main">
-  <p:tag name="PLUS_ID" val="logo"/>
+  <p:tag name="PLUS_ID" val="chapter"/>
 </p:tagLst>
 </file>
 
 <file path=ppt/tags/tag26.xml><?xml version="1.0" encoding="utf-8"?>
 <p:tagLst xmlns:a="http://schemas.openxmlformats.org/drawingml/2006/main" xmlns:r="http://schemas.openxmlformats.org/officeDocument/2006/relationships" xmlns:p="http://schemas.openxmlformats.org/presentationml/2006/main">
-  <p:tag name="PLUS_ID" val="chapter"/>
+  <p:tag name="PLUS_ID" val="title"/>
 </p:tagLst>
 </file>
 
 <file path=ppt/tags/tag27.xml><?xml version="1.0" encoding="utf-8"?>
 <p:tagLst xmlns:a="http://schemas.openxmlformats.org/drawingml/2006/main" xmlns:r="http://schemas.openxmlformats.org/officeDocument/2006/relationships" xmlns:p="http://schemas.openxmlformats.org/presentationml/2006/main">
-  <p:tag name="PLUS_ID" val="title"/>
+  <p:tag name="PLUS_ID" val="detail_0"/>
 </p:tagLst>
 </file>
 
 <file path=ppt/tags/tag28.xml><?xml version="1.0" encoding="utf-8"?>
 <p:tagLst xmlns:a="http://schemas.openxmlformats.org/drawingml/2006/main" xmlns:r="http://schemas.openxmlformats.org/officeDocument/2006/relationships" xmlns:p="http://schemas.openxmlformats.org/presentationml/2006/main">
-  <p:tag name="PLUS_ID" val="detail_0"/>
+  <p:tag name="PLUS_ID" val="detail_1"/>
 </p:tagLst>
 </file>
 
 <file path=ppt/tags/tag29.xml><?xml version="1.0" encoding="utf-8"?>
 <p:tagLst xmlns:a="http://schemas.openxmlformats.org/drawingml/2006/main" xmlns:r="http://schemas.openxmlformats.org/officeDocument/2006/relationships" xmlns:p="http://schemas.openxmlformats.org/presentationml/2006/main">
-  <p:tag name="PLUS_ID" val="detail_1"/>
+  <p:tag name="PLUS_ID" val="detail_2"/>
 </p:tagLst>
 </file>
 
@@ -27669,61 +28539,61 @@
 
 <file path=ppt/tags/tag30.xml><?xml version="1.0" encoding="utf-8"?>
 <p:tagLst xmlns:a="http://schemas.openxmlformats.org/drawingml/2006/main" xmlns:r="http://schemas.openxmlformats.org/officeDocument/2006/relationships" xmlns:p="http://schemas.openxmlformats.org/presentationml/2006/main">
-  <p:tag name="PLUS_ID" val="detail_2"/>
+  <p:tag name="PLUS_ID" val="header_0"/>
 </p:tagLst>
 </file>
 
 <file path=ppt/tags/tag31.xml><?xml version="1.0" encoding="utf-8"?>
 <p:tagLst xmlns:a="http://schemas.openxmlformats.org/drawingml/2006/main" xmlns:r="http://schemas.openxmlformats.org/officeDocument/2006/relationships" xmlns:p="http://schemas.openxmlformats.org/presentationml/2006/main">
-  <p:tag name="PLUS_ID" val="header_0"/>
+  <p:tag name="PLUS_ID" val="header_1"/>
 </p:tagLst>
 </file>
 
 <file path=ppt/tags/tag32.xml><?xml version="1.0" encoding="utf-8"?>
 <p:tagLst xmlns:a="http://schemas.openxmlformats.org/drawingml/2006/main" xmlns:r="http://schemas.openxmlformats.org/officeDocument/2006/relationships" xmlns:p="http://schemas.openxmlformats.org/presentationml/2006/main">
-  <p:tag name="PLUS_ID" val="header_1"/>
+  <p:tag name="PLUS_ID" val="header_2"/>
 </p:tagLst>
 </file>
 
 <file path=ppt/tags/tag33.xml><?xml version="1.0" encoding="utf-8"?>
 <p:tagLst xmlns:a="http://schemas.openxmlformats.org/drawingml/2006/main" xmlns:r="http://schemas.openxmlformats.org/officeDocument/2006/relationships" xmlns:p="http://schemas.openxmlformats.org/presentationml/2006/main">
-  <p:tag name="PLUS_ID" val="header_2"/>
+  <p:tag name="PLUS_ID" val="icon_0"/>
 </p:tagLst>
 </file>
 
 <file path=ppt/tags/tag34.xml><?xml version="1.0" encoding="utf-8"?>
 <p:tagLst xmlns:a="http://schemas.openxmlformats.org/drawingml/2006/main" xmlns:r="http://schemas.openxmlformats.org/officeDocument/2006/relationships" xmlns:p="http://schemas.openxmlformats.org/presentationml/2006/main">
-  <p:tag name="PLUS_ID" val="icon_0"/>
+  <p:tag name="PLUS_ID" val="icon_1"/>
 </p:tagLst>
 </file>
 
 <file path=ppt/tags/tag35.xml><?xml version="1.0" encoding="utf-8"?>
 <p:tagLst xmlns:a="http://schemas.openxmlformats.org/drawingml/2006/main" xmlns:r="http://schemas.openxmlformats.org/officeDocument/2006/relationships" xmlns:p="http://schemas.openxmlformats.org/presentationml/2006/main">
-  <p:tag name="PLUS_ID" val="icon_1"/>
+  <p:tag name="PLUS_ID" val="icon_2"/>
 </p:tagLst>
 </file>
 
 <file path=ppt/tags/tag36.xml><?xml version="1.0" encoding="utf-8"?>
 <p:tagLst xmlns:a="http://schemas.openxmlformats.org/drawingml/2006/main" xmlns:r="http://schemas.openxmlformats.org/officeDocument/2006/relationships" xmlns:p="http://schemas.openxmlformats.org/presentationml/2006/main">
-  <p:tag name="PLUS_ID" val="icon_2"/>
+  <p:tag name="PLUS_ID" val="logo"/>
 </p:tagLst>
 </file>
 
 <file path=ppt/tags/tag37.xml><?xml version="1.0" encoding="utf-8"?>
 <p:tagLst xmlns:a="http://schemas.openxmlformats.org/drawingml/2006/main" xmlns:r="http://schemas.openxmlformats.org/officeDocument/2006/relationships" xmlns:p="http://schemas.openxmlformats.org/presentationml/2006/main">
-  <p:tag name="PLUS_ID" val="logo"/>
+  <p:tag name="PLUS_ID" val="chapter"/>
 </p:tagLst>
 </file>
 
 <file path=ppt/tags/tag38.xml><?xml version="1.0" encoding="utf-8"?>
 <p:tagLst xmlns:a="http://schemas.openxmlformats.org/drawingml/2006/main" xmlns:r="http://schemas.openxmlformats.org/officeDocument/2006/relationships" xmlns:p="http://schemas.openxmlformats.org/presentationml/2006/main">
-  <p:tag name="PLUS_ID" val="chapter"/>
+  <p:tag name="PLUS_ID" val="title"/>
 </p:tagLst>
 </file>
 
 <file path=ppt/tags/tag39.xml><?xml version="1.0" encoding="utf-8"?>
 <p:tagLst xmlns:a="http://schemas.openxmlformats.org/drawingml/2006/main" xmlns:r="http://schemas.openxmlformats.org/officeDocument/2006/relationships" xmlns:p="http://schemas.openxmlformats.org/presentationml/2006/main">
-  <p:tag name="PLUS_ID" val="title"/>
+  <p:tag name="PLUS_ID" val="detail_0"/>
 </p:tagLst>
 </file>
 
@@ -27736,61 +28606,61 @@
 
 <file path=ppt/tags/tag40.xml><?xml version="1.0" encoding="utf-8"?>
 <p:tagLst xmlns:a="http://schemas.openxmlformats.org/drawingml/2006/main" xmlns:r="http://schemas.openxmlformats.org/officeDocument/2006/relationships" xmlns:p="http://schemas.openxmlformats.org/presentationml/2006/main">
-  <p:tag name="PLUS_ID" val="detail_0"/>
+  <p:tag name="PLUS_ID" val="detail_1"/>
 </p:tagLst>
 </file>
 
 <file path=ppt/tags/tag41.xml><?xml version="1.0" encoding="utf-8"?>
 <p:tagLst xmlns:a="http://schemas.openxmlformats.org/drawingml/2006/main" xmlns:r="http://schemas.openxmlformats.org/officeDocument/2006/relationships" xmlns:p="http://schemas.openxmlformats.org/presentationml/2006/main">
-  <p:tag name="PLUS_ID" val="detail_1"/>
+  <p:tag name="PLUS_ID" val="header_0"/>
 </p:tagLst>
 </file>
 
 <file path=ppt/tags/tag42.xml><?xml version="1.0" encoding="utf-8"?>
 <p:tagLst xmlns:a="http://schemas.openxmlformats.org/drawingml/2006/main" xmlns:r="http://schemas.openxmlformats.org/officeDocument/2006/relationships" xmlns:p="http://schemas.openxmlformats.org/presentationml/2006/main">
-  <p:tag name="PLUS_ID" val="header_0"/>
+  <p:tag name="PLUS_ID" val="header_1"/>
 </p:tagLst>
 </file>
 
 <file path=ppt/tags/tag43.xml><?xml version="1.0" encoding="utf-8"?>
 <p:tagLst xmlns:a="http://schemas.openxmlformats.org/drawingml/2006/main" xmlns:r="http://schemas.openxmlformats.org/officeDocument/2006/relationships" xmlns:p="http://schemas.openxmlformats.org/presentationml/2006/main">
-  <p:tag name="PLUS_ID" val="header_1"/>
+  <p:tag name="PLUS_ID" val="detail_2"/>
 </p:tagLst>
 </file>
 
 <file path=ppt/tags/tag44.xml><?xml version="1.0" encoding="utf-8"?>
 <p:tagLst xmlns:a="http://schemas.openxmlformats.org/drawingml/2006/main" xmlns:r="http://schemas.openxmlformats.org/officeDocument/2006/relationships" xmlns:p="http://schemas.openxmlformats.org/presentationml/2006/main">
-  <p:tag name="PLUS_ID" val="detail_2"/>
+  <p:tag name="PLUS_ID" val="detail_3"/>
 </p:tagLst>
 </file>
 
 <file path=ppt/tags/tag45.xml><?xml version="1.0" encoding="utf-8"?>
 <p:tagLst xmlns:a="http://schemas.openxmlformats.org/drawingml/2006/main" xmlns:r="http://schemas.openxmlformats.org/officeDocument/2006/relationships" xmlns:p="http://schemas.openxmlformats.org/presentationml/2006/main">
-  <p:tag name="PLUS_ID" val="detail_3"/>
+  <p:tag name="PLUS_ID" val="header_2"/>
 </p:tagLst>
 </file>
 
 <file path=ppt/tags/tag46.xml><?xml version="1.0" encoding="utf-8"?>
 <p:tagLst xmlns:a="http://schemas.openxmlformats.org/drawingml/2006/main" xmlns:r="http://schemas.openxmlformats.org/officeDocument/2006/relationships" xmlns:p="http://schemas.openxmlformats.org/presentationml/2006/main">
-  <p:tag name="PLUS_ID" val="header_2"/>
+  <p:tag name="PLUS_ID" val="header_3"/>
 </p:tagLst>
 </file>
 
 <file path=ppt/tags/tag47.xml><?xml version="1.0" encoding="utf-8"?>
 <p:tagLst xmlns:a="http://schemas.openxmlformats.org/drawingml/2006/main" xmlns:r="http://schemas.openxmlformats.org/officeDocument/2006/relationships" xmlns:p="http://schemas.openxmlformats.org/presentationml/2006/main">
-  <p:tag name="PLUS_ID" val="header_3"/>
+  <p:tag name="PLUS_ID" val="logo"/>
 </p:tagLst>
 </file>
 
 <file path=ppt/tags/tag48.xml><?xml version="1.0" encoding="utf-8"?>
 <p:tagLst xmlns:a="http://schemas.openxmlformats.org/drawingml/2006/main" xmlns:r="http://schemas.openxmlformats.org/officeDocument/2006/relationships" xmlns:p="http://schemas.openxmlformats.org/presentationml/2006/main">
-  <p:tag name="PLUS_ID" val="logo"/>
+  <p:tag name="PLUS_ID" val="icon_0"/>
 </p:tagLst>
 </file>
 
 <file path=ppt/tags/tag49.xml><?xml version="1.0" encoding="utf-8"?>
 <p:tagLst xmlns:a="http://schemas.openxmlformats.org/drawingml/2006/main" xmlns:r="http://schemas.openxmlformats.org/officeDocument/2006/relationships" xmlns:p="http://schemas.openxmlformats.org/presentationml/2006/main">
-  <p:tag name="PLUS_ID" val="icon_0"/>
+  <p:tag name="PLUS_ID" val="icon_1"/>
 </p:tagLst>
 </file>
 
@@ -27802,7 +28672,7 @@
 
 <file path=ppt/tags/tag50.xml><?xml version="1.0" encoding="utf-8"?>
 <p:tagLst xmlns:a="http://schemas.openxmlformats.org/drawingml/2006/main" xmlns:r="http://schemas.openxmlformats.org/officeDocument/2006/relationships" xmlns:p="http://schemas.openxmlformats.org/presentationml/2006/main">
-  <p:tag name="PLUS_ID" val="icon_1"/>
+  <p:tag name="PLUS_ID" val="icon_2"/>
 </p:tagLst>
 </file>
 
@@ -27814,49 +28684,49 @@
 
 <file path=ppt/tags/tag52.xml><?xml version="1.0" encoding="utf-8"?>
 <p:tagLst xmlns:a="http://schemas.openxmlformats.org/drawingml/2006/main" xmlns:r="http://schemas.openxmlformats.org/officeDocument/2006/relationships" xmlns:p="http://schemas.openxmlformats.org/presentationml/2006/main">
-  <p:tag name="PLUS_ID" val="icon_2"/>
+  <p:tag name="PLUS_ID" val="chapter"/>
 </p:tagLst>
 </file>
 
 <file path=ppt/tags/tag53.xml><?xml version="1.0" encoding="utf-8"?>
 <p:tagLst xmlns:a="http://schemas.openxmlformats.org/drawingml/2006/main" xmlns:r="http://schemas.openxmlformats.org/officeDocument/2006/relationships" xmlns:p="http://schemas.openxmlformats.org/presentationml/2006/main">
-  <p:tag name="PLUS_ID" val="chapter"/>
+  <p:tag name="PLUS_ID" val="title"/>
 </p:tagLst>
 </file>
 
 <file path=ppt/tags/tag54.xml><?xml version="1.0" encoding="utf-8"?>
 <p:tagLst xmlns:a="http://schemas.openxmlformats.org/drawingml/2006/main" xmlns:r="http://schemas.openxmlformats.org/officeDocument/2006/relationships" xmlns:p="http://schemas.openxmlformats.org/presentationml/2006/main">
-  <p:tag name="PLUS_ID" val="title"/>
+  <p:tag name="PLUS_ID" val="detail_0"/>
 </p:tagLst>
 </file>
 
 <file path=ppt/tags/tag55.xml><?xml version="1.0" encoding="utf-8"?>
 <p:tagLst xmlns:a="http://schemas.openxmlformats.org/drawingml/2006/main" xmlns:r="http://schemas.openxmlformats.org/officeDocument/2006/relationships" xmlns:p="http://schemas.openxmlformats.org/presentationml/2006/main">
-  <p:tag name="PLUS_ID" val="detail_0"/>
+  <p:tag name="PLUS_ID" val="detail_1"/>
 </p:tagLst>
 </file>
 
 <file path=ppt/tags/tag56.xml><?xml version="1.0" encoding="utf-8"?>
 <p:tagLst xmlns:a="http://schemas.openxmlformats.org/drawingml/2006/main" xmlns:r="http://schemas.openxmlformats.org/officeDocument/2006/relationships" xmlns:p="http://schemas.openxmlformats.org/presentationml/2006/main">
-  <p:tag name="PLUS_ID" val="detail_1"/>
+  <p:tag name="PLUS_ID" val="detail_2"/>
 </p:tagLst>
 </file>
 
 <file path=ppt/tags/tag57.xml><?xml version="1.0" encoding="utf-8"?>
 <p:tagLst xmlns:a="http://schemas.openxmlformats.org/drawingml/2006/main" xmlns:r="http://schemas.openxmlformats.org/officeDocument/2006/relationships" xmlns:p="http://schemas.openxmlformats.org/presentationml/2006/main">
-  <p:tag name="PLUS_ID" val="detail_2"/>
+  <p:tag name="PLUS_ID" val="header_0"/>
 </p:tagLst>
 </file>
 
 <file path=ppt/tags/tag58.xml><?xml version="1.0" encoding="utf-8"?>
 <p:tagLst xmlns:a="http://schemas.openxmlformats.org/drawingml/2006/main" xmlns:r="http://schemas.openxmlformats.org/officeDocument/2006/relationships" xmlns:p="http://schemas.openxmlformats.org/presentationml/2006/main">
-  <p:tag name="PLUS_ID" val="header_0"/>
+  <p:tag name="PLUS_ID" val="header_1"/>
 </p:tagLst>
 </file>
 
 <file path=ppt/tags/tag59.xml><?xml version="1.0" encoding="utf-8"?>
 <p:tagLst xmlns:a="http://schemas.openxmlformats.org/drawingml/2006/main" xmlns:r="http://schemas.openxmlformats.org/officeDocument/2006/relationships" xmlns:p="http://schemas.openxmlformats.org/presentationml/2006/main">
-  <p:tag name="PLUS_ID" val="header_1"/>
+  <p:tag name="PLUS_ID" val="header_2"/>
 </p:tagLst>
 </file>
 
@@ -27869,61 +28739,61 @@
 
 <file path=ppt/tags/tag60.xml><?xml version="1.0" encoding="utf-8"?>
 <p:tagLst xmlns:a="http://schemas.openxmlformats.org/drawingml/2006/main" xmlns:r="http://schemas.openxmlformats.org/officeDocument/2006/relationships" xmlns:p="http://schemas.openxmlformats.org/presentationml/2006/main">
-  <p:tag name="PLUS_ID" val="header_2"/>
+  <p:tag name="PLUS_ID" val="logo"/>
 </p:tagLst>
 </file>
 
 <file path=ppt/tags/tag61.xml><?xml version="1.0" encoding="utf-8"?>
 <p:tagLst xmlns:a="http://schemas.openxmlformats.org/drawingml/2006/main" xmlns:r="http://schemas.openxmlformats.org/officeDocument/2006/relationships" xmlns:p="http://schemas.openxmlformats.org/presentationml/2006/main">
-  <p:tag name="PLUS_ID" val="logo"/>
+  <p:tag name="PLUS_ID" val="chapter"/>
 </p:tagLst>
 </file>
 
 <file path=ppt/tags/tag62.xml><?xml version="1.0" encoding="utf-8"?>
 <p:tagLst xmlns:a="http://schemas.openxmlformats.org/drawingml/2006/main" xmlns:r="http://schemas.openxmlformats.org/officeDocument/2006/relationships" xmlns:p="http://schemas.openxmlformats.org/presentationml/2006/main">
-  <p:tag name="PLUS_ID" val="chapter"/>
+  <p:tag name="PLUS_ID" val="title"/>
 </p:tagLst>
 </file>
 
 <file path=ppt/tags/tag63.xml><?xml version="1.0" encoding="utf-8"?>
 <p:tagLst xmlns:a="http://schemas.openxmlformats.org/drawingml/2006/main" xmlns:r="http://schemas.openxmlformats.org/officeDocument/2006/relationships" xmlns:p="http://schemas.openxmlformats.org/presentationml/2006/main">
-  <p:tag name="PLUS_ID" val="title"/>
+  <p:tag name="PLUS_ID" val="detail_0"/>
 </p:tagLst>
 </file>
 
 <file path=ppt/tags/tag64.xml><?xml version="1.0" encoding="utf-8"?>
 <p:tagLst xmlns:a="http://schemas.openxmlformats.org/drawingml/2006/main" xmlns:r="http://schemas.openxmlformats.org/officeDocument/2006/relationships" xmlns:p="http://schemas.openxmlformats.org/presentationml/2006/main">
-  <p:tag name="PLUS_ID" val="detail_0"/>
+  <p:tag name="PLUS_ID" val="detail_1"/>
 </p:tagLst>
 </file>
 
 <file path=ppt/tags/tag65.xml><?xml version="1.0" encoding="utf-8"?>
 <p:tagLst xmlns:a="http://schemas.openxmlformats.org/drawingml/2006/main" xmlns:r="http://schemas.openxmlformats.org/officeDocument/2006/relationships" xmlns:p="http://schemas.openxmlformats.org/presentationml/2006/main">
-  <p:tag name="PLUS_ID" val="detail_1"/>
+  <p:tag name="PLUS_ID" val="header_0"/>
 </p:tagLst>
 </file>
 
 <file path=ppt/tags/tag66.xml><?xml version="1.0" encoding="utf-8"?>
 <p:tagLst xmlns:a="http://schemas.openxmlformats.org/drawingml/2006/main" xmlns:r="http://schemas.openxmlformats.org/officeDocument/2006/relationships" xmlns:p="http://schemas.openxmlformats.org/presentationml/2006/main">
-  <p:tag name="PLUS_ID" val="header_0"/>
+  <p:tag name="PLUS_ID" val="header_1"/>
 </p:tagLst>
 </file>
 
 <file path=ppt/tags/tag67.xml><?xml version="1.0" encoding="utf-8"?>
 <p:tagLst xmlns:a="http://schemas.openxmlformats.org/drawingml/2006/main" xmlns:r="http://schemas.openxmlformats.org/officeDocument/2006/relationships" xmlns:p="http://schemas.openxmlformats.org/presentationml/2006/main">
-  <p:tag name="PLUS_ID" val="header_1"/>
+  <p:tag name="PLUS_ID" val="detail_2"/>
 </p:tagLst>
 </file>
 
 <file path=ppt/tags/tag68.xml><?xml version="1.0" encoding="utf-8"?>
 <p:tagLst xmlns:a="http://schemas.openxmlformats.org/drawingml/2006/main" xmlns:r="http://schemas.openxmlformats.org/officeDocument/2006/relationships" xmlns:p="http://schemas.openxmlformats.org/presentationml/2006/main">
-  <p:tag name="PLUS_ID" val="detail_2"/>
+  <p:tag name="PLUS_ID" val="detail_3"/>
 </p:tagLst>
 </file>
 
 <file path=ppt/tags/tag69.xml><?xml version="1.0" encoding="utf-8"?>
 <p:tagLst xmlns:a="http://schemas.openxmlformats.org/drawingml/2006/main" xmlns:r="http://schemas.openxmlformats.org/officeDocument/2006/relationships" xmlns:p="http://schemas.openxmlformats.org/presentationml/2006/main">
-  <p:tag name="PLUS_ID" val="detail_3"/>
+  <p:tag name="PLUS_ID" val="header_2"/>
 </p:tagLst>
 </file>
 
@@ -27935,61 +28805,61 @@
 
 <file path=ppt/tags/tag70.xml><?xml version="1.0" encoding="utf-8"?>
 <p:tagLst xmlns:a="http://schemas.openxmlformats.org/drawingml/2006/main" xmlns:r="http://schemas.openxmlformats.org/officeDocument/2006/relationships" xmlns:p="http://schemas.openxmlformats.org/presentationml/2006/main">
-  <p:tag name="PLUS_ID" val="header_2"/>
+  <p:tag name="PLUS_ID" val="header_3"/>
 </p:tagLst>
 </file>
 
 <file path=ppt/tags/tag71.xml><?xml version="1.0" encoding="utf-8"?>
 <p:tagLst xmlns:a="http://schemas.openxmlformats.org/drawingml/2006/main" xmlns:r="http://schemas.openxmlformats.org/officeDocument/2006/relationships" xmlns:p="http://schemas.openxmlformats.org/presentationml/2006/main">
-  <p:tag name="PLUS_ID" val="header_3"/>
+  <p:tag name="PLUS_ID" val="logo"/>
 </p:tagLst>
 </file>
 
 <file path=ppt/tags/tag72.xml><?xml version="1.0" encoding="utf-8"?>
 <p:tagLst xmlns:a="http://schemas.openxmlformats.org/drawingml/2006/main" xmlns:r="http://schemas.openxmlformats.org/officeDocument/2006/relationships" xmlns:p="http://schemas.openxmlformats.org/presentationml/2006/main">
-  <p:tag name="PLUS_ID" val="logo"/>
+  <p:tag name="PLUS_ID" val="chapter"/>
 </p:tagLst>
 </file>
 
 <file path=ppt/tags/tag73.xml><?xml version="1.0" encoding="utf-8"?>
 <p:tagLst xmlns:a="http://schemas.openxmlformats.org/drawingml/2006/main" xmlns:r="http://schemas.openxmlformats.org/officeDocument/2006/relationships" xmlns:p="http://schemas.openxmlformats.org/presentationml/2006/main">
-  <p:tag name="PLUS_ID" val="chapter"/>
+  <p:tag name="PLUS_ID" val="title"/>
 </p:tagLst>
 </file>
 
 <file path=ppt/tags/tag74.xml><?xml version="1.0" encoding="utf-8"?>
 <p:tagLst xmlns:a="http://schemas.openxmlformats.org/drawingml/2006/main" xmlns:r="http://schemas.openxmlformats.org/officeDocument/2006/relationships" xmlns:p="http://schemas.openxmlformats.org/presentationml/2006/main">
-  <p:tag name="PLUS_ID" val="title"/>
+  <p:tag name="PLUS_ID" val="detail_0"/>
 </p:tagLst>
 </file>
 
 <file path=ppt/tags/tag75.xml><?xml version="1.0" encoding="utf-8"?>
 <p:tagLst xmlns:a="http://schemas.openxmlformats.org/drawingml/2006/main" xmlns:r="http://schemas.openxmlformats.org/officeDocument/2006/relationships" xmlns:p="http://schemas.openxmlformats.org/presentationml/2006/main">
-  <p:tag name="PLUS_ID" val="detail_0"/>
+  <p:tag name="PLUS_ID" val="detail_1"/>
 </p:tagLst>
 </file>
 
 <file path=ppt/tags/tag76.xml><?xml version="1.0" encoding="utf-8"?>
 <p:tagLst xmlns:a="http://schemas.openxmlformats.org/drawingml/2006/main" xmlns:r="http://schemas.openxmlformats.org/officeDocument/2006/relationships" xmlns:p="http://schemas.openxmlformats.org/presentationml/2006/main">
-  <p:tag name="PLUS_ID" val="detail_1"/>
+  <p:tag name="PLUS_ID" val="detail_2"/>
 </p:tagLst>
 </file>
 
 <file path=ppt/tags/tag77.xml><?xml version="1.0" encoding="utf-8"?>
 <p:tagLst xmlns:a="http://schemas.openxmlformats.org/drawingml/2006/main" xmlns:r="http://schemas.openxmlformats.org/officeDocument/2006/relationships" xmlns:p="http://schemas.openxmlformats.org/presentationml/2006/main">
-  <p:tag name="PLUS_ID" val="detail_2"/>
+  <p:tag name="PLUS_ID" val="header_0"/>
 </p:tagLst>
 </file>
 
 <file path=ppt/tags/tag78.xml><?xml version="1.0" encoding="utf-8"?>
 <p:tagLst xmlns:a="http://schemas.openxmlformats.org/drawingml/2006/main" xmlns:r="http://schemas.openxmlformats.org/officeDocument/2006/relationships" xmlns:p="http://schemas.openxmlformats.org/presentationml/2006/main">
-  <p:tag name="PLUS_ID" val="header_0"/>
+  <p:tag name="PLUS_ID" val="header_1"/>
 </p:tagLst>
 </file>
 
 <file path=ppt/tags/tag79.xml><?xml version="1.0" encoding="utf-8"?>
 <p:tagLst xmlns:a="http://schemas.openxmlformats.org/drawingml/2006/main" xmlns:r="http://schemas.openxmlformats.org/officeDocument/2006/relationships" xmlns:p="http://schemas.openxmlformats.org/presentationml/2006/main">
-  <p:tag name="PLUS_ID" val="header_1"/>
+  <p:tag name="PLUS_ID" val="header_2"/>
 </p:tagLst>
 </file>
 
@@ -28001,61 +28871,61 @@
 
 <file path=ppt/tags/tag80.xml><?xml version="1.0" encoding="utf-8"?>
 <p:tagLst xmlns:a="http://schemas.openxmlformats.org/drawingml/2006/main" xmlns:r="http://schemas.openxmlformats.org/officeDocument/2006/relationships" xmlns:p="http://schemas.openxmlformats.org/presentationml/2006/main">
-  <p:tag name="PLUS_ID" val="header_2"/>
+  <p:tag name="PLUS_ID" val="icon_0"/>
 </p:tagLst>
 </file>
 
 <file path=ppt/tags/tag81.xml><?xml version="1.0" encoding="utf-8"?>
 <p:tagLst xmlns:a="http://schemas.openxmlformats.org/drawingml/2006/main" xmlns:r="http://schemas.openxmlformats.org/officeDocument/2006/relationships" xmlns:p="http://schemas.openxmlformats.org/presentationml/2006/main">
-  <p:tag name="PLUS_ID" val="icon_0"/>
+  <p:tag name="PLUS_ID" val="icon_1"/>
 </p:tagLst>
 </file>
 
 <file path=ppt/tags/tag82.xml><?xml version="1.0" encoding="utf-8"?>
 <p:tagLst xmlns:a="http://schemas.openxmlformats.org/drawingml/2006/main" xmlns:r="http://schemas.openxmlformats.org/officeDocument/2006/relationships" xmlns:p="http://schemas.openxmlformats.org/presentationml/2006/main">
-  <p:tag name="PLUS_ID" val="icon_1"/>
+  <p:tag name="PLUS_ID" val="icon_2"/>
 </p:tagLst>
 </file>
 
 <file path=ppt/tags/tag83.xml><?xml version="1.0" encoding="utf-8"?>
 <p:tagLst xmlns:a="http://schemas.openxmlformats.org/drawingml/2006/main" xmlns:r="http://schemas.openxmlformats.org/officeDocument/2006/relationships" xmlns:p="http://schemas.openxmlformats.org/presentationml/2006/main">
-  <p:tag name="PLUS_ID" val="icon_2"/>
+  <p:tag name="PLUS_ID" val="logo"/>
 </p:tagLst>
 </file>
 
 <file path=ppt/tags/tag84.xml><?xml version="1.0" encoding="utf-8"?>
 <p:tagLst xmlns:a="http://schemas.openxmlformats.org/drawingml/2006/main" xmlns:r="http://schemas.openxmlformats.org/officeDocument/2006/relationships" xmlns:p="http://schemas.openxmlformats.org/presentationml/2006/main">
-  <p:tag name="PLUS_ID" val="logo"/>
+  <p:tag name="PLUS_ID" val="chapter"/>
 </p:tagLst>
 </file>
 
 <file path=ppt/tags/tag85.xml><?xml version="1.0" encoding="utf-8"?>
 <p:tagLst xmlns:a="http://schemas.openxmlformats.org/drawingml/2006/main" xmlns:r="http://schemas.openxmlformats.org/officeDocument/2006/relationships" xmlns:p="http://schemas.openxmlformats.org/presentationml/2006/main">
-  <p:tag name="PLUS_ID" val="chapter"/>
+  <p:tag name="PLUS_ID" val="title"/>
 </p:tagLst>
 </file>
 
 <file path=ppt/tags/tag86.xml><?xml version="1.0" encoding="utf-8"?>
 <p:tagLst xmlns:a="http://schemas.openxmlformats.org/drawingml/2006/main" xmlns:r="http://schemas.openxmlformats.org/officeDocument/2006/relationships" xmlns:p="http://schemas.openxmlformats.org/presentationml/2006/main">
-  <p:tag name="PLUS_ID" val="title"/>
+  <p:tag name="PLUS_ID" val="detail_0"/>
 </p:tagLst>
 </file>
 
 <file path=ppt/tags/tag87.xml><?xml version="1.0" encoding="utf-8"?>
 <p:tagLst xmlns:a="http://schemas.openxmlformats.org/drawingml/2006/main" xmlns:r="http://schemas.openxmlformats.org/officeDocument/2006/relationships" xmlns:p="http://schemas.openxmlformats.org/presentationml/2006/main">
-  <p:tag name="PLUS_ID" val="detail_0"/>
+  <p:tag name="PLUS_ID" val="detail_1"/>
 </p:tagLst>
 </file>
 
 <file path=ppt/tags/tag88.xml><?xml version="1.0" encoding="utf-8"?>
 <p:tagLst xmlns:a="http://schemas.openxmlformats.org/drawingml/2006/main" xmlns:r="http://schemas.openxmlformats.org/officeDocument/2006/relationships" xmlns:p="http://schemas.openxmlformats.org/presentationml/2006/main">
-  <p:tag name="PLUS_ID" val="detail_1"/>
+  <p:tag name="PLUS_ID" val="header_0"/>
 </p:tagLst>
 </file>
 
 <file path=ppt/tags/tag89.xml><?xml version="1.0" encoding="utf-8"?>
 <p:tagLst xmlns:a="http://schemas.openxmlformats.org/drawingml/2006/main" xmlns:r="http://schemas.openxmlformats.org/officeDocument/2006/relationships" xmlns:p="http://schemas.openxmlformats.org/presentationml/2006/main">
-  <p:tag name="PLUS_ID" val="header_0"/>
+  <p:tag name="PLUS_ID" val="header_1"/>
 </p:tagLst>
 </file>
 
@@ -28067,61 +28937,61 @@
 
 <file path=ppt/tags/tag90.xml><?xml version="1.0" encoding="utf-8"?>
 <p:tagLst xmlns:a="http://schemas.openxmlformats.org/drawingml/2006/main" xmlns:r="http://schemas.openxmlformats.org/officeDocument/2006/relationships" xmlns:p="http://schemas.openxmlformats.org/presentationml/2006/main">
-  <p:tag name="PLUS_ID" val="header_1"/>
+  <p:tag name="PLUS_ID" val="icon_0"/>
 </p:tagLst>
 </file>
 
 <file path=ppt/tags/tag91.xml><?xml version="1.0" encoding="utf-8"?>
 <p:tagLst xmlns:a="http://schemas.openxmlformats.org/drawingml/2006/main" xmlns:r="http://schemas.openxmlformats.org/officeDocument/2006/relationships" xmlns:p="http://schemas.openxmlformats.org/presentationml/2006/main">
-  <p:tag name="PLUS_ID" val="icon_0"/>
+  <p:tag name="PLUS_ID" val="icon_1"/>
 </p:tagLst>
 </file>
 
 <file path=ppt/tags/tag92.xml><?xml version="1.0" encoding="utf-8"?>
 <p:tagLst xmlns:a="http://schemas.openxmlformats.org/drawingml/2006/main" xmlns:r="http://schemas.openxmlformats.org/officeDocument/2006/relationships" xmlns:p="http://schemas.openxmlformats.org/presentationml/2006/main">
-  <p:tag name="PLUS_ID" val="icon_1"/>
+  <p:tag name="PLUS_ID" val="logo"/>
 </p:tagLst>
 </file>
 
 <file path=ppt/tags/tag93.xml><?xml version="1.0" encoding="utf-8"?>
 <p:tagLst xmlns:a="http://schemas.openxmlformats.org/drawingml/2006/main" xmlns:r="http://schemas.openxmlformats.org/officeDocument/2006/relationships" xmlns:p="http://schemas.openxmlformats.org/presentationml/2006/main">
-  <p:tag name="PLUS_ID" val="logo"/>
+  <p:tag name="PLUS_ID" val="title"/>
 </p:tagLst>
 </file>
 
 <file path=ppt/tags/tag94.xml><?xml version="1.0" encoding="utf-8"?>
 <p:tagLst xmlns:a="http://schemas.openxmlformats.org/drawingml/2006/main" xmlns:r="http://schemas.openxmlformats.org/officeDocument/2006/relationships" xmlns:p="http://schemas.openxmlformats.org/presentationml/2006/main">
-  <p:tag name="PLUS_ID" val="title"/>
+  <p:tag name="PLUS_ID" val="header_0"/>
 </p:tagLst>
 </file>
 
 <file path=ppt/tags/tag95.xml><?xml version="1.0" encoding="utf-8"?>
 <p:tagLst xmlns:a="http://schemas.openxmlformats.org/drawingml/2006/main" xmlns:r="http://schemas.openxmlformats.org/officeDocument/2006/relationships" xmlns:p="http://schemas.openxmlformats.org/presentationml/2006/main">
-  <p:tag name="PLUS_ID" val="header_0"/>
+  <p:tag name="PLUS_ID" val="detail_0"/>
 </p:tagLst>
 </file>
 
 <file path=ppt/tags/tag96.xml><?xml version="1.0" encoding="utf-8"?>
 <p:tagLst xmlns:a="http://schemas.openxmlformats.org/drawingml/2006/main" xmlns:r="http://schemas.openxmlformats.org/officeDocument/2006/relationships" xmlns:p="http://schemas.openxmlformats.org/presentationml/2006/main">
-  <p:tag name="PLUS_ID" val="detail_0"/>
+  <p:tag name="PLUS_ID" val="header_1"/>
 </p:tagLst>
 </file>
 
 <file path=ppt/tags/tag97.xml><?xml version="1.0" encoding="utf-8"?>
 <p:tagLst xmlns:a="http://schemas.openxmlformats.org/drawingml/2006/main" xmlns:r="http://schemas.openxmlformats.org/officeDocument/2006/relationships" xmlns:p="http://schemas.openxmlformats.org/presentationml/2006/main">
-  <p:tag name="PLUS_ID" val="header_1"/>
+  <p:tag name="PLUS_ID" val="detail_1"/>
 </p:tagLst>
 </file>
 
 <file path=ppt/tags/tag98.xml><?xml version="1.0" encoding="utf-8"?>
 <p:tagLst xmlns:a="http://schemas.openxmlformats.org/drawingml/2006/main" xmlns:r="http://schemas.openxmlformats.org/officeDocument/2006/relationships" xmlns:p="http://schemas.openxmlformats.org/presentationml/2006/main">
-  <p:tag name="PLUS_ID" val="detail_1"/>
+  <p:tag name="PLUS_ID" val="logo"/>
 </p:tagLst>
 </file>
 
 <file path=ppt/tags/tag99.xml><?xml version="1.0" encoding="utf-8"?>
 <p:tagLst xmlns:a="http://schemas.openxmlformats.org/drawingml/2006/main" xmlns:r="http://schemas.openxmlformats.org/officeDocument/2006/relationships" xmlns:p="http://schemas.openxmlformats.org/presentationml/2006/main">
-  <p:tag name="PLUS_ID" val="logo"/>
+  <p:tag name="PLUS_ID" val="chapter"/>
 </p:tagLst>
 </file>
 
